--- a/Quaternionen Präsentation.pptx
+++ b/Quaternionen Präsentation.pptx
@@ -4263,43 +4263,461 @@
       </p:sp>
       <p:sp>
         <p:nvSpPr>
-          <p:cNvPr id="3" name="Inhaltsplatzhalter 2">
-            <a:extLst>
-              <a:ext uri="{FF2B5EF4-FFF2-40B4-BE49-F238E27FC236}">
-                <a16:creationId xmlns:a16="http://schemas.microsoft.com/office/drawing/2014/main" id="{DE41DD4B-3F2A-44CB-B8C3-CCAE040F33A1}"/>
-              </a:ext>
-            </a:extLst>
-          </p:cNvPr>
-          <p:cNvSpPr>
-            <a:spLocks noGrp="1"/>
-          </p:cNvSpPr>
-          <p:nvPr>
-            <p:ph idx="1"/>
-          </p:nvPr>
+          <p:cNvPr id="7" name="Inhaltsplatzhalter 2">
+            <a:extLst>
+              <a:ext uri="{FF2B5EF4-FFF2-40B4-BE49-F238E27FC236}">
+                <a16:creationId xmlns:a16="http://schemas.microsoft.com/office/drawing/2014/main" id="{2122E75A-90D9-4EF0-9B2C-044FC5F391F4}"/>
+              </a:ext>
+            </a:extLst>
+          </p:cNvPr>
+          <p:cNvSpPr txBox="1">
+            <a:spLocks/>
+          </p:cNvSpPr>
+          <p:nvPr/>
         </p:nvSpPr>
         <p:spPr>
           <a:xfrm>
-            <a:off x="684212" y="2438400"/>
-            <a:ext cx="6224588" cy="3615267"/>
+            <a:off x="684212" y="2192867"/>
+            <a:ext cx="5230557" cy="3031524"/>
           </a:xfrm>
+          <a:prstGeom prst="rect">
+            <a:avLst/>
+          </a:prstGeom>
         </p:spPr>
         <p:txBody>
-          <a:bodyPr/>
-          <a:lstStyle/>
+          <a:bodyPr vert="horz" lIns="91440" tIns="45720" rIns="91440" bIns="45720" rtlCol="0">
+            <a:normAutofit/>
+          </a:bodyPr>
+          <a:lstStyle>
+            <a:lvl1pPr marL="228600" indent="-228600" algn="l" defTabSz="914400" rtl="0" eaLnBrk="1" latinLnBrk="0" hangingPunct="1">
+              <a:lnSpc>
+                <a:spcPct val="90000"/>
+              </a:lnSpc>
+              <a:spcBef>
+                <a:spcPts val="1000"/>
+              </a:spcBef>
+              <a:buFont typeface="Arial" panose="020B0604020202020204" pitchFamily="34" charset="0"/>
+              <a:buChar char="•"/>
+              <a:defRPr sz="2800" kern="1200">
+                <a:solidFill>
+                  <a:schemeClr val="tx1"/>
+                </a:solidFill>
+                <a:latin typeface="+mn-lt"/>
+                <a:ea typeface="+mn-ea"/>
+                <a:cs typeface="+mn-cs"/>
+              </a:defRPr>
+            </a:lvl1pPr>
+            <a:lvl2pPr marL="685800" indent="-228600" algn="l" defTabSz="914400" rtl="0" eaLnBrk="1" latinLnBrk="0" hangingPunct="1">
+              <a:lnSpc>
+                <a:spcPct val="90000"/>
+              </a:lnSpc>
+              <a:spcBef>
+                <a:spcPts val="500"/>
+              </a:spcBef>
+              <a:buFont typeface="Arial" panose="020B0604020202020204" pitchFamily="34" charset="0"/>
+              <a:buChar char="•"/>
+              <a:defRPr sz="2400" kern="1200">
+                <a:solidFill>
+                  <a:schemeClr val="tx1"/>
+                </a:solidFill>
+                <a:latin typeface="+mn-lt"/>
+                <a:ea typeface="+mn-ea"/>
+                <a:cs typeface="+mn-cs"/>
+              </a:defRPr>
+            </a:lvl2pPr>
+            <a:lvl3pPr marL="1143000" indent="-228600" algn="l" defTabSz="914400" rtl="0" eaLnBrk="1" latinLnBrk="0" hangingPunct="1">
+              <a:lnSpc>
+                <a:spcPct val="90000"/>
+              </a:lnSpc>
+              <a:spcBef>
+                <a:spcPts val="500"/>
+              </a:spcBef>
+              <a:buFont typeface="Arial" panose="020B0604020202020204" pitchFamily="34" charset="0"/>
+              <a:buChar char="•"/>
+              <a:defRPr sz="2000" kern="1200">
+                <a:solidFill>
+                  <a:schemeClr val="tx1"/>
+                </a:solidFill>
+                <a:latin typeface="+mn-lt"/>
+                <a:ea typeface="+mn-ea"/>
+                <a:cs typeface="+mn-cs"/>
+              </a:defRPr>
+            </a:lvl3pPr>
+            <a:lvl4pPr marL="1600200" indent="-228600" algn="l" defTabSz="914400" rtl="0" eaLnBrk="1" latinLnBrk="0" hangingPunct="1">
+              <a:lnSpc>
+                <a:spcPct val="90000"/>
+              </a:lnSpc>
+              <a:spcBef>
+                <a:spcPts val="500"/>
+              </a:spcBef>
+              <a:buFont typeface="Arial" panose="020B0604020202020204" pitchFamily="34" charset="0"/>
+              <a:buChar char="•"/>
+              <a:defRPr sz="1800" kern="1200">
+                <a:solidFill>
+                  <a:schemeClr val="tx1"/>
+                </a:solidFill>
+                <a:latin typeface="+mn-lt"/>
+                <a:ea typeface="+mn-ea"/>
+                <a:cs typeface="+mn-cs"/>
+              </a:defRPr>
+            </a:lvl4pPr>
+            <a:lvl5pPr marL="2057400" indent="-228600" algn="l" defTabSz="914400" rtl="0" eaLnBrk="1" latinLnBrk="0" hangingPunct="1">
+              <a:lnSpc>
+                <a:spcPct val="90000"/>
+              </a:lnSpc>
+              <a:spcBef>
+                <a:spcPts val="500"/>
+              </a:spcBef>
+              <a:buFont typeface="Arial" panose="020B0604020202020204" pitchFamily="34" charset="0"/>
+              <a:buChar char="•"/>
+              <a:defRPr sz="1800" kern="1200">
+                <a:solidFill>
+                  <a:schemeClr val="tx1"/>
+                </a:solidFill>
+                <a:latin typeface="+mn-lt"/>
+                <a:ea typeface="+mn-ea"/>
+                <a:cs typeface="+mn-cs"/>
+              </a:defRPr>
+            </a:lvl5pPr>
+            <a:lvl6pPr marL="2514600" indent="-228600" algn="l" defTabSz="914400" rtl="0" eaLnBrk="1" latinLnBrk="0" hangingPunct="1">
+              <a:lnSpc>
+                <a:spcPct val="90000"/>
+              </a:lnSpc>
+              <a:spcBef>
+                <a:spcPts val="500"/>
+              </a:spcBef>
+              <a:buFont typeface="Arial" panose="020B0604020202020204" pitchFamily="34" charset="0"/>
+              <a:buChar char="•"/>
+              <a:defRPr sz="1800" kern="1200">
+                <a:solidFill>
+                  <a:schemeClr val="tx1"/>
+                </a:solidFill>
+                <a:latin typeface="+mn-lt"/>
+                <a:ea typeface="+mn-ea"/>
+                <a:cs typeface="+mn-cs"/>
+              </a:defRPr>
+            </a:lvl6pPr>
+            <a:lvl7pPr marL="2971800" indent="-228600" algn="l" defTabSz="914400" rtl="0" eaLnBrk="1" latinLnBrk="0" hangingPunct="1">
+              <a:lnSpc>
+                <a:spcPct val="90000"/>
+              </a:lnSpc>
+              <a:spcBef>
+                <a:spcPts val="500"/>
+              </a:spcBef>
+              <a:buFont typeface="Arial" panose="020B0604020202020204" pitchFamily="34" charset="0"/>
+              <a:buChar char="•"/>
+              <a:defRPr sz="1800" kern="1200">
+                <a:solidFill>
+                  <a:schemeClr val="tx1"/>
+                </a:solidFill>
+                <a:latin typeface="+mn-lt"/>
+                <a:ea typeface="+mn-ea"/>
+                <a:cs typeface="+mn-cs"/>
+              </a:defRPr>
+            </a:lvl7pPr>
+            <a:lvl8pPr marL="3429000" indent="-228600" algn="l" defTabSz="914400" rtl="0" eaLnBrk="1" latinLnBrk="0" hangingPunct="1">
+              <a:lnSpc>
+                <a:spcPct val="90000"/>
+              </a:lnSpc>
+              <a:spcBef>
+                <a:spcPts val="500"/>
+              </a:spcBef>
+              <a:buFont typeface="Arial" panose="020B0604020202020204" pitchFamily="34" charset="0"/>
+              <a:buChar char="•"/>
+              <a:defRPr sz="1800" kern="1200">
+                <a:solidFill>
+                  <a:schemeClr val="tx1"/>
+                </a:solidFill>
+                <a:latin typeface="+mn-lt"/>
+                <a:ea typeface="+mn-ea"/>
+                <a:cs typeface="+mn-cs"/>
+              </a:defRPr>
+            </a:lvl8pPr>
+            <a:lvl9pPr marL="3886200" indent="-228600" algn="l" defTabSz="914400" rtl="0" eaLnBrk="1" latinLnBrk="0" hangingPunct="1">
+              <a:lnSpc>
+                <a:spcPct val="90000"/>
+              </a:lnSpc>
+              <a:spcBef>
+                <a:spcPts val="500"/>
+              </a:spcBef>
+              <a:buFont typeface="Arial" panose="020B0604020202020204" pitchFamily="34" charset="0"/>
+              <a:buChar char="•"/>
+              <a:defRPr sz="1800" kern="1200">
+                <a:solidFill>
+                  <a:schemeClr val="tx1"/>
+                </a:solidFill>
+                <a:latin typeface="+mn-lt"/>
+                <a:ea typeface="+mn-ea"/>
+                <a:cs typeface="+mn-cs"/>
+              </a:defRPr>
+            </a:lvl9pPr>
+          </a:lstStyle>
+          <a:p>
+            <a:r>
+              <a:rPr lang="de-DE"/>
+              <a:t>Kein Standardthema</a:t>
+            </a:r>
+          </a:p>
+          <a:p>
+            <a:r>
+              <a:rPr lang="de-DE"/>
+              <a:t>Umrechnungen von Matrizen und Quaternionen</a:t>
+            </a:r>
+          </a:p>
+          <a:p>
+            <a:endParaRPr lang="de-DE" dirty="0"/>
+          </a:p>
+        </p:txBody>
+      </p:sp>
+      <p:sp>
+        <p:nvSpPr>
+          <p:cNvPr id="8" name="Inhaltsplatzhalter 2">
+            <a:extLst>
+              <a:ext uri="{FF2B5EF4-FFF2-40B4-BE49-F238E27FC236}">
+                <a16:creationId xmlns:a16="http://schemas.microsoft.com/office/drawing/2014/main" id="{342F297D-54FE-48D2-89AE-EBE69AE9CF74}"/>
+              </a:ext>
+            </a:extLst>
+          </p:cNvPr>
+          <p:cNvSpPr txBox="1">
+            <a:spLocks/>
+          </p:cNvSpPr>
+          <p:nvPr/>
+        </p:nvSpPr>
+        <p:spPr>
+          <a:xfrm>
+            <a:off x="6603333" y="2093554"/>
+            <a:ext cx="5230557" cy="3615267"/>
+          </a:xfrm>
+          <a:prstGeom prst="rect">
+            <a:avLst/>
+          </a:prstGeom>
+        </p:spPr>
+        <p:txBody>
+          <a:bodyPr vert="horz" lIns="91440" tIns="45720" rIns="91440" bIns="45720" rtlCol="0">
+            <a:normAutofit/>
+          </a:bodyPr>
+          <a:lstStyle>
+            <a:lvl1pPr marL="228600" indent="-228600" algn="l" defTabSz="914400" rtl="0" eaLnBrk="1" latinLnBrk="0" hangingPunct="1">
+              <a:lnSpc>
+                <a:spcPct val="90000"/>
+              </a:lnSpc>
+              <a:spcBef>
+                <a:spcPts val="1000"/>
+              </a:spcBef>
+              <a:buFont typeface="Arial" panose="020B0604020202020204" pitchFamily="34" charset="0"/>
+              <a:buChar char="•"/>
+              <a:defRPr sz="2800" kern="1200">
+                <a:solidFill>
+                  <a:schemeClr val="tx1"/>
+                </a:solidFill>
+                <a:latin typeface="+mn-lt"/>
+                <a:ea typeface="+mn-ea"/>
+                <a:cs typeface="+mn-cs"/>
+              </a:defRPr>
+            </a:lvl1pPr>
+            <a:lvl2pPr marL="685800" indent="-228600" algn="l" defTabSz="914400" rtl="0" eaLnBrk="1" latinLnBrk="0" hangingPunct="1">
+              <a:lnSpc>
+                <a:spcPct val="90000"/>
+              </a:lnSpc>
+              <a:spcBef>
+                <a:spcPts val="500"/>
+              </a:spcBef>
+              <a:buFont typeface="Arial" panose="020B0604020202020204" pitchFamily="34" charset="0"/>
+              <a:buChar char="•"/>
+              <a:defRPr sz="2400" kern="1200">
+                <a:solidFill>
+                  <a:schemeClr val="tx1"/>
+                </a:solidFill>
+                <a:latin typeface="+mn-lt"/>
+                <a:ea typeface="+mn-ea"/>
+                <a:cs typeface="+mn-cs"/>
+              </a:defRPr>
+            </a:lvl2pPr>
+            <a:lvl3pPr marL="1143000" indent="-228600" algn="l" defTabSz="914400" rtl="0" eaLnBrk="1" latinLnBrk="0" hangingPunct="1">
+              <a:lnSpc>
+                <a:spcPct val="90000"/>
+              </a:lnSpc>
+              <a:spcBef>
+                <a:spcPts val="500"/>
+              </a:spcBef>
+              <a:buFont typeface="Arial" panose="020B0604020202020204" pitchFamily="34" charset="0"/>
+              <a:buChar char="•"/>
+              <a:defRPr sz="2000" kern="1200">
+                <a:solidFill>
+                  <a:schemeClr val="tx1"/>
+                </a:solidFill>
+                <a:latin typeface="+mn-lt"/>
+                <a:ea typeface="+mn-ea"/>
+                <a:cs typeface="+mn-cs"/>
+              </a:defRPr>
+            </a:lvl3pPr>
+            <a:lvl4pPr marL="1600200" indent="-228600" algn="l" defTabSz="914400" rtl="0" eaLnBrk="1" latinLnBrk="0" hangingPunct="1">
+              <a:lnSpc>
+                <a:spcPct val="90000"/>
+              </a:lnSpc>
+              <a:spcBef>
+                <a:spcPts val="500"/>
+              </a:spcBef>
+              <a:buFont typeface="Arial" panose="020B0604020202020204" pitchFamily="34" charset="0"/>
+              <a:buChar char="•"/>
+              <a:defRPr sz="1800" kern="1200">
+                <a:solidFill>
+                  <a:schemeClr val="tx1"/>
+                </a:solidFill>
+                <a:latin typeface="+mn-lt"/>
+                <a:ea typeface="+mn-ea"/>
+                <a:cs typeface="+mn-cs"/>
+              </a:defRPr>
+            </a:lvl4pPr>
+            <a:lvl5pPr marL="2057400" indent="-228600" algn="l" defTabSz="914400" rtl="0" eaLnBrk="1" latinLnBrk="0" hangingPunct="1">
+              <a:lnSpc>
+                <a:spcPct val="90000"/>
+              </a:lnSpc>
+              <a:spcBef>
+                <a:spcPts val="500"/>
+              </a:spcBef>
+              <a:buFont typeface="Arial" panose="020B0604020202020204" pitchFamily="34" charset="0"/>
+              <a:buChar char="•"/>
+              <a:defRPr sz="1800" kern="1200">
+                <a:solidFill>
+                  <a:schemeClr val="tx1"/>
+                </a:solidFill>
+                <a:latin typeface="+mn-lt"/>
+                <a:ea typeface="+mn-ea"/>
+                <a:cs typeface="+mn-cs"/>
+              </a:defRPr>
+            </a:lvl5pPr>
+            <a:lvl6pPr marL="2514600" indent="-228600" algn="l" defTabSz="914400" rtl="0" eaLnBrk="1" latinLnBrk="0" hangingPunct="1">
+              <a:lnSpc>
+                <a:spcPct val="90000"/>
+              </a:lnSpc>
+              <a:spcBef>
+                <a:spcPts val="500"/>
+              </a:spcBef>
+              <a:buFont typeface="Arial" panose="020B0604020202020204" pitchFamily="34" charset="0"/>
+              <a:buChar char="•"/>
+              <a:defRPr sz="1800" kern="1200">
+                <a:solidFill>
+                  <a:schemeClr val="tx1"/>
+                </a:solidFill>
+                <a:latin typeface="+mn-lt"/>
+                <a:ea typeface="+mn-ea"/>
+                <a:cs typeface="+mn-cs"/>
+              </a:defRPr>
+            </a:lvl6pPr>
+            <a:lvl7pPr marL="2971800" indent="-228600" algn="l" defTabSz="914400" rtl="0" eaLnBrk="1" latinLnBrk="0" hangingPunct="1">
+              <a:lnSpc>
+                <a:spcPct val="90000"/>
+              </a:lnSpc>
+              <a:spcBef>
+                <a:spcPts val="500"/>
+              </a:spcBef>
+              <a:buFont typeface="Arial" panose="020B0604020202020204" pitchFamily="34" charset="0"/>
+              <a:buChar char="•"/>
+              <a:defRPr sz="1800" kern="1200">
+                <a:solidFill>
+                  <a:schemeClr val="tx1"/>
+                </a:solidFill>
+                <a:latin typeface="+mn-lt"/>
+                <a:ea typeface="+mn-ea"/>
+                <a:cs typeface="+mn-cs"/>
+              </a:defRPr>
+            </a:lvl7pPr>
+            <a:lvl8pPr marL="3429000" indent="-228600" algn="l" defTabSz="914400" rtl="0" eaLnBrk="1" latinLnBrk="0" hangingPunct="1">
+              <a:lnSpc>
+                <a:spcPct val="90000"/>
+              </a:lnSpc>
+              <a:spcBef>
+                <a:spcPts val="500"/>
+              </a:spcBef>
+              <a:buFont typeface="Arial" panose="020B0604020202020204" pitchFamily="34" charset="0"/>
+              <a:buChar char="•"/>
+              <a:defRPr sz="1800" kern="1200">
+                <a:solidFill>
+                  <a:schemeClr val="tx1"/>
+                </a:solidFill>
+                <a:latin typeface="+mn-lt"/>
+                <a:ea typeface="+mn-ea"/>
+                <a:cs typeface="+mn-cs"/>
+              </a:defRPr>
+            </a:lvl8pPr>
+            <a:lvl9pPr marL="3886200" indent="-228600" algn="l" defTabSz="914400" rtl="0" eaLnBrk="1" latinLnBrk="0" hangingPunct="1">
+              <a:lnSpc>
+                <a:spcPct val="90000"/>
+              </a:lnSpc>
+              <a:spcBef>
+                <a:spcPts val="500"/>
+              </a:spcBef>
+              <a:buFont typeface="Arial" panose="020B0604020202020204" pitchFamily="34" charset="0"/>
+              <a:buChar char="•"/>
+              <a:defRPr sz="1800" kern="1200">
+                <a:solidFill>
+                  <a:schemeClr val="tx1"/>
+                </a:solidFill>
+                <a:latin typeface="+mn-lt"/>
+                <a:ea typeface="+mn-ea"/>
+                <a:cs typeface="+mn-cs"/>
+              </a:defRPr>
+            </a:lvl9pPr>
+          </a:lstStyle>
           <a:p>
             <a:r>
               <a:rPr lang="de-DE" dirty="0"/>
-              <a:t>Vor- und Nachteile</a:t>
-            </a:r>
+              <a:t>Koordinatensystem unabhängig</a:t>
+            </a:r>
+          </a:p>
+          <a:p>
+            <a:r>
+              <a:rPr lang="de-DE" dirty="0"/>
+              <a:t>Kein </a:t>
+            </a:r>
+            <a:r>
+              <a:rPr lang="de-DE" dirty="0" err="1"/>
+              <a:t>Gimbal</a:t>
+            </a:r>
+            <a:r>
+              <a:rPr lang="de-DE" dirty="0"/>
+              <a:t> Lock</a:t>
+            </a:r>
+          </a:p>
+          <a:p>
+            <a:r>
+              <a:rPr lang="de-DE" dirty="0"/>
+              <a:t>Kompakte Rotation</a:t>
+            </a:r>
+          </a:p>
+          <a:p>
+            <a:r>
+              <a:rPr lang="de-DE" dirty="0"/>
+              <a:t>Glattere Interpolationen</a:t>
+            </a:r>
+          </a:p>
+          <a:p>
+            <a:r>
+              <a:rPr lang="de-DE" dirty="0"/>
+              <a:t>Offensichtlichere Geometrie</a:t>
+            </a:r>
+          </a:p>
+          <a:p>
+            <a:r>
+              <a:rPr lang="de-DE" dirty="0"/>
+              <a:t>Niedrigerer Rechenaufwand</a:t>
+            </a:r>
+          </a:p>
+          <a:p>
+            <a:endParaRPr lang="de-DE" dirty="0"/>
+          </a:p>
+          <a:p>
+            <a:endParaRPr lang="de-DE" dirty="0"/>
           </a:p>
         </p:txBody>
       </p:sp>
       <p:pic>
         <p:nvPicPr>
-          <p:cNvPr id="2052" name="Picture 4" descr="Pro Contra Icon - Illustrationen und Vektorgrafiken">
-            <a:extLst>
-              <a:ext uri="{FF2B5EF4-FFF2-40B4-BE49-F238E27FC236}">
-                <a16:creationId xmlns:a16="http://schemas.microsoft.com/office/drawing/2014/main" id="{2E6D480D-A0A8-4976-BF38-794174D4FF03}"/>
+          <p:cNvPr id="9" name="Picture 4" descr="Pro Contra Icon - Illustrationen und Vektorgrafiken">
+            <a:extLst>
+              <a:ext uri="{FF2B5EF4-FFF2-40B4-BE49-F238E27FC236}">
+                <a16:creationId xmlns:a16="http://schemas.microsoft.com/office/drawing/2014/main" id="{B22CD9F5-F718-4109-AF29-6E3118608173}"/>
               </a:ext>
             </a:extLst>
           </p:cNvPr>
@@ -4308,7 +4726,7 @@
           </p:cNvPicPr>
           <p:nvPr/>
         </p:nvPicPr>
-        <p:blipFill>
+        <p:blipFill rotWithShape="1">
           <a:blip r:embed="rId2">
             <a:extLst>
               <a:ext uri="{28A0092B-C50C-407E-A947-70E740481C1C}">
@@ -4316,15 +4734,58 @@
               </a:ext>
             </a:extLst>
           </a:blip>
-          <a:srcRect/>
-          <a:stretch>
-            <a:fillRect/>
-          </a:stretch>
+          <a:srcRect l="50227" t="22427" r="6971" b="22217"/>
+          <a:stretch/>
         </p:blipFill>
         <p:spPr bwMode="auto">
           <a:xfrm>
-            <a:off x="5635792" y="214618"/>
-            <a:ext cx="3059029" cy="3059029"/>
+            <a:off x="3789404" y="3104177"/>
+            <a:ext cx="1309345" cy="1693333"/>
+          </a:xfrm>
+          <a:prstGeom prst="rect">
+            <a:avLst/>
+          </a:prstGeom>
+          <a:noFill/>
+          <a:extLst>
+            <a:ext uri="{909E8E84-426E-40DD-AFC4-6F175D3DCCD1}">
+              <a14:hiddenFill xmlns:a14="http://schemas.microsoft.com/office/drawing/2010/main">
+                <a:solidFill>
+                  <a:srgbClr val="FFFFFF"/>
+                </a:solidFill>
+              </a14:hiddenFill>
+            </a:ext>
+          </a:extLst>
+        </p:spPr>
+      </p:pic>
+      <p:pic>
+        <p:nvPicPr>
+          <p:cNvPr id="10" name="Picture 4" descr="Pro Contra Icon - Illustrationen und Vektorgrafiken">
+            <a:extLst>
+              <a:ext uri="{FF2B5EF4-FFF2-40B4-BE49-F238E27FC236}">
+                <a16:creationId xmlns:a16="http://schemas.microsoft.com/office/drawing/2014/main" id="{3672DA63-C8E1-4FEB-8673-8785C006A76D}"/>
+              </a:ext>
+            </a:extLst>
+          </p:cNvPr>
+          <p:cNvPicPr>
+            <a:picLocks noChangeAspect="1" noChangeArrowheads="1"/>
+          </p:cNvPicPr>
+          <p:nvPr/>
+        </p:nvPicPr>
+        <p:blipFill rotWithShape="1">
+          <a:blip r:embed="rId2">
+            <a:extLst>
+              <a:ext uri="{28A0092B-C50C-407E-A947-70E740481C1C}">
+                <a14:useLocalDpi xmlns:a14="http://schemas.microsoft.com/office/drawing/2010/main" val="0"/>
+              </a:ext>
+            </a:extLst>
+          </a:blip>
+          <a:srcRect l="8612" t="22427" r="49716" b="22217"/>
+          <a:stretch/>
+        </p:blipFill>
+        <p:spPr bwMode="auto">
+          <a:xfrm>
+            <a:off x="10452049" y="2510023"/>
+            <a:ext cx="1274750" cy="1693333"/>
           </a:xfrm>
           <a:prstGeom prst="rect">
             <a:avLst/>
@@ -4712,8 +5173,8 @@
           </a:p>
         </p:txBody>
       </p:sp>
-      <mc:AlternateContent xmlns:mc="http://schemas.openxmlformats.org/markup-compatibility/2006">
-        <mc:Choice xmlns:a14="http://schemas.microsoft.com/office/drawing/2010/main" Requires="a14">
+      <mc:AlternateContent xmlns:mc="http://schemas.openxmlformats.org/markup-compatibility/2006" xmlns:a14="http://schemas.microsoft.com/office/drawing/2010/main">
+        <mc:Choice Requires="a14">
           <p:sp>
             <p:nvSpPr>
               <p:cNvPr id="3" name="Inhaltsplatzhalter 2">
@@ -4775,6 +5236,7 @@
                     <m:r>
                       <a:rPr lang="de-DE" i="1" smtClean="0">
                         <a:effectLst/>
+                        <a:latin typeface="Cambria Math" panose="02040503050406030204" pitchFamily="18" charset="0"/>
                         <a:ea typeface="Calibri" panose="020F0502020204030204" pitchFamily="34" charset="0"/>
                         <a:cs typeface="Times New Roman" panose="02020603050405020304" pitchFamily="18" charset="0"/>
                       </a:rPr>
@@ -4783,6 +5245,7 @@
                     <m:r>
                       <a:rPr lang="de-DE" i="1" smtClean="0">
                         <a:effectLst/>
+                        <a:latin typeface="Cambria Math" panose="02040503050406030204" pitchFamily="18" charset="0"/>
                         <a:ea typeface="Calibri" panose="020F0502020204030204" pitchFamily="34" charset="0"/>
                         <a:cs typeface="Times New Roman" panose="02020603050405020304" pitchFamily="18" charset="0"/>
                       </a:rPr>
@@ -4791,6 +5254,7 @@
                     <m:r>
                       <a:rPr lang="de-DE" i="1" smtClean="0">
                         <a:effectLst/>
+                        <a:latin typeface="Cambria Math" panose="02040503050406030204" pitchFamily="18" charset="0"/>
                         <a:ea typeface="Calibri" panose="020F0502020204030204" pitchFamily="34" charset="0"/>
                         <a:cs typeface="Times New Roman" panose="02020603050405020304" pitchFamily="18" charset="0"/>
                       </a:rPr>
@@ -4799,6 +5263,7 @@
                     <m:r>
                       <a:rPr lang="de-DE" i="1" smtClean="0">
                         <a:effectLst/>
+                        <a:latin typeface="Cambria Math" panose="02040503050406030204" pitchFamily="18" charset="0"/>
                         <a:ea typeface="Calibri" panose="020F0502020204030204" pitchFamily="34" charset="0"/>
                         <a:cs typeface="Times New Roman" panose="02020603050405020304" pitchFamily="18" charset="0"/>
                       </a:rPr>
@@ -4807,6 +5272,7 @@
                     <m:r>
                       <a:rPr lang="de-DE" i="1" smtClean="0">
                         <a:effectLst/>
+                        <a:latin typeface="Cambria Math" panose="02040503050406030204" pitchFamily="18" charset="0"/>
                         <a:ea typeface="Calibri" panose="020F0502020204030204" pitchFamily="34" charset="0"/>
                         <a:cs typeface="Times New Roman" panose="02020603050405020304" pitchFamily="18" charset="0"/>
                       </a:rPr>
@@ -4822,7 +5288,7 @@
             </p:txBody>
           </p:sp>
         </mc:Choice>
-        <mc:Fallback>
+        <mc:Fallback xmlns="">
           <p:sp>
             <p:nvSpPr>
               <p:cNvPr id="3" name="Inhaltsplatzhalter 2">
@@ -4976,8 +5442,8 @@
           </a:p>
         </p:txBody>
       </p:sp>
-      <mc:AlternateContent xmlns:mc="http://schemas.openxmlformats.org/markup-compatibility/2006">
-        <mc:Choice xmlns:a14="http://schemas.microsoft.com/office/drawing/2010/main" Requires="a14">
+      <mc:AlternateContent xmlns:mc="http://schemas.openxmlformats.org/markup-compatibility/2006" xmlns:a14="http://schemas.microsoft.com/office/drawing/2010/main">
+        <mc:Choice Requires="a14">
           <p:sp>
             <p:nvSpPr>
               <p:cNvPr id="3" name="Inhaltsplatzhalter 2">
@@ -5017,6 +5483,7 @@
                         <m:ctrlPr>
                           <a:rPr lang="de-DE" i="1" smtClean="0">
                             <a:effectLst/>
+                            <a:latin typeface="Cambria Math" panose="02040503050406030204" pitchFamily="18" charset="0"/>
                             <a:ea typeface="Yu Mincho" panose="02020400000000000000" pitchFamily="18" charset="-128"/>
                           </a:rPr>
                         </m:ctrlPr>
@@ -5025,6 +5492,7 @@
                         <m:r>
                           <a:rPr lang="de-DE" i="1">
                             <a:effectLst/>
+                            <a:latin typeface="Cambria Math" panose="02040503050406030204" pitchFamily="18" charset="0"/>
                             <a:ea typeface="Calibri" panose="020F0502020204030204" pitchFamily="34" charset="0"/>
                             <a:cs typeface="Times New Roman" panose="02020603050405020304" pitchFamily="18" charset="0"/>
                           </a:rPr>
@@ -5033,6 +5501,7 @@
                         <m:r>
                           <a:rPr lang="de-DE" i="1">
                             <a:effectLst/>
+                            <a:latin typeface="Cambria Math" panose="02040503050406030204" pitchFamily="18" charset="0"/>
                             <a:ea typeface="Calibri" panose="020F0502020204030204" pitchFamily="34" charset="0"/>
                             <a:cs typeface="Times New Roman" panose="02020603050405020304" pitchFamily="18" charset="0"/>
                           </a:rPr>
@@ -5041,6 +5510,7 @@
                         <m:r>
                           <a:rPr lang="de-DE" i="1">
                             <a:effectLst/>
+                            <a:latin typeface="Cambria Math" panose="02040503050406030204" pitchFamily="18" charset="0"/>
                             <a:ea typeface="Calibri" panose="020F0502020204030204" pitchFamily="34" charset="0"/>
                             <a:cs typeface="Times New Roman" panose="02020603050405020304" pitchFamily="18" charset="0"/>
                           </a:rPr>
@@ -5049,6 +5519,7 @@
                         <m:r>
                           <a:rPr lang="de-DE" i="1">
                             <a:effectLst/>
+                            <a:latin typeface="Cambria Math" panose="02040503050406030204" pitchFamily="18" charset="0"/>
                             <a:ea typeface="Calibri" panose="020F0502020204030204" pitchFamily="34" charset="0"/>
                             <a:cs typeface="Times New Roman" panose="02020603050405020304" pitchFamily="18" charset="0"/>
                           </a:rPr>
@@ -5057,6 +5528,7 @@
                         <m:r>
                           <a:rPr lang="de-DE" i="1">
                             <a:effectLst/>
+                            <a:latin typeface="Cambria Math" panose="02040503050406030204" pitchFamily="18" charset="0"/>
                             <a:ea typeface="Calibri" panose="020F0502020204030204" pitchFamily="34" charset="0"/>
                             <a:cs typeface="Times New Roman" panose="02020603050405020304" pitchFamily="18" charset="0"/>
                           </a:rPr>
@@ -5065,6 +5537,7 @@
                         <m:r>
                           <a:rPr lang="de-DE" i="1">
                             <a:effectLst/>
+                            <a:latin typeface="Cambria Math" panose="02040503050406030204" pitchFamily="18" charset="0"/>
                             <a:ea typeface="Calibri" panose="020F0502020204030204" pitchFamily="34" charset="0"/>
                             <a:cs typeface="Times New Roman" panose="02020603050405020304" pitchFamily="18" charset="0"/>
                           </a:rPr>
@@ -5073,6 +5546,7 @@
                         <m:r>
                           <a:rPr lang="de-DE" i="1">
                             <a:effectLst/>
+                            <a:latin typeface="Cambria Math" panose="02040503050406030204" pitchFamily="18" charset="0"/>
                             <a:ea typeface="Calibri" panose="020F0502020204030204" pitchFamily="34" charset="0"/>
                             <a:cs typeface="Times New Roman" panose="02020603050405020304" pitchFamily="18" charset="0"/>
                           </a:rPr>
@@ -5097,6 +5571,7 @@
                     <m:r>
                       <a:rPr lang="de-DE" i="1" smtClean="0">
                         <a:effectLst/>
+                        <a:latin typeface="Cambria Math" panose="02040503050406030204" pitchFamily="18" charset="0"/>
                         <a:ea typeface="Calibri" panose="020F0502020204030204" pitchFamily="34" charset="0"/>
                         <a:cs typeface="Times New Roman" panose="02020603050405020304" pitchFamily="18" charset="0"/>
                       </a:rPr>
@@ -5105,6 +5580,7 @@
                     <m:r>
                       <a:rPr lang="de-DE" i="1" smtClean="0">
                         <a:effectLst/>
+                        <a:latin typeface="Cambria Math" panose="02040503050406030204" pitchFamily="18" charset="0"/>
                         <a:ea typeface="Calibri" panose="020F0502020204030204" pitchFamily="34" charset="0"/>
                         <a:cs typeface="Times New Roman" panose="02020603050405020304" pitchFamily="18" charset="0"/>
                       </a:rPr>
@@ -5113,6 +5589,7 @@
                     <m:r>
                       <a:rPr lang="de-DE" i="1" smtClean="0">
                         <a:effectLst/>
+                        <a:latin typeface="Cambria Math" panose="02040503050406030204" pitchFamily="18" charset="0"/>
                         <a:ea typeface="Calibri" panose="020F0502020204030204" pitchFamily="34" charset="0"/>
                         <a:cs typeface="Times New Roman" panose="02020603050405020304" pitchFamily="18" charset="0"/>
                       </a:rPr>
@@ -5121,6 +5598,7 @@
                     <m:r>
                       <a:rPr lang="de-DE" i="1" smtClean="0">
                         <a:effectLst/>
+                        <a:latin typeface="Cambria Math" panose="02040503050406030204" pitchFamily="18" charset="0"/>
                         <a:ea typeface="Calibri" panose="020F0502020204030204" pitchFamily="34" charset="0"/>
                         <a:cs typeface="Times New Roman" panose="02020603050405020304" pitchFamily="18" charset="0"/>
                       </a:rPr>
@@ -5129,6 +5607,7 @@
                     <m:r>
                       <a:rPr lang="de-DE" i="1" smtClean="0">
                         <a:effectLst/>
+                        <a:latin typeface="Cambria Math" panose="02040503050406030204" pitchFamily="18" charset="0"/>
                         <a:ea typeface="Calibri" panose="020F0502020204030204" pitchFamily="34" charset="0"/>
                         <a:cs typeface="Times New Roman" panose="02020603050405020304" pitchFamily="18" charset="0"/>
                       </a:rPr>
@@ -5151,6 +5630,7 @@
                     <m:r>
                       <a:rPr lang="de-DE" i="1" smtClean="0">
                         <a:effectLst/>
+                        <a:latin typeface="Cambria Math" panose="02040503050406030204" pitchFamily="18" charset="0"/>
                         <a:ea typeface="Calibri" panose="020F0502020204030204" pitchFamily="34" charset="0"/>
                       </a:rPr>
                       <m:t>𝑞</m:t>
@@ -5158,6 +5638,7 @@
                     <m:r>
                       <a:rPr lang="de-DE" i="1" smtClean="0">
                         <a:effectLst/>
+                        <a:latin typeface="Cambria Math" panose="02040503050406030204" pitchFamily="18" charset="0"/>
                         <a:ea typeface="Calibri" panose="020F0502020204030204" pitchFamily="34" charset="0"/>
                       </a:rPr>
                       <m:t>=</m:t>
@@ -5165,6 +5646,7 @@
                     <m:r>
                       <a:rPr lang="de-DE" i="1" smtClean="0">
                         <a:effectLst/>
+                        <a:latin typeface="Cambria Math" panose="02040503050406030204" pitchFamily="18" charset="0"/>
                         <a:ea typeface="Calibri" panose="020F0502020204030204" pitchFamily="34" charset="0"/>
                       </a:rPr>
                       <m:t>𝑠</m:t>
@@ -5172,6 +5654,7 @@
                     <m:r>
                       <a:rPr lang="de-DE" i="1" smtClean="0">
                         <a:effectLst/>
+                        <a:latin typeface="Cambria Math" panose="02040503050406030204" pitchFamily="18" charset="0"/>
                         <a:ea typeface="Calibri" panose="020F0502020204030204" pitchFamily="34" charset="0"/>
                       </a:rPr>
                       <m:t>+</m:t>
@@ -5179,6 +5662,7 @@
                     <m:r>
                       <a:rPr lang="de-DE" i="1" smtClean="0">
                         <a:effectLst/>
+                        <a:latin typeface="Cambria Math" panose="02040503050406030204" pitchFamily="18" charset="0"/>
                         <a:ea typeface="Calibri" panose="020F0502020204030204" pitchFamily="34" charset="0"/>
                       </a:rPr>
                       <m:t>𝑖𝑥</m:t>
@@ -5186,6 +5670,7 @@
                     <m:r>
                       <a:rPr lang="de-DE" i="1" smtClean="0">
                         <a:effectLst/>
+                        <a:latin typeface="Cambria Math" panose="02040503050406030204" pitchFamily="18" charset="0"/>
                         <a:ea typeface="Calibri" panose="020F0502020204030204" pitchFamily="34" charset="0"/>
                       </a:rPr>
                       <m:t>+</m:t>
@@ -5193,6 +5678,7 @@
                     <m:r>
                       <a:rPr lang="de-DE" i="1" smtClean="0">
                         <a:effectLst/>
+                        <a:latin typeface="Cambria Math" panose="02040503050406030204" pitchFamily="18" charset="0"/>
                         <a:ea typeface="Calibri" panose="020F0502020204030204" pitchFamily="34" charset="0"/>
                       </a:rPr>
                       <m:t>𝑗𝑦</m:t>
@@ -5200,6 +5686,7 @@
                     <m:r>
                       <a:rPr lang="de-DE" i="1" smtClean="0">
                         <a:effectLst/>
+                        <a:latin typeface="Cambria Math" panose="02040503050406030204" pitchFamily="18" charset="0"/>
                         <a:ea typeface="Calibri" panose="020F0502020204030204" pitchFamily="34" charset="0"/>
                       </a:rPr>
                       <m:t>+</m:t>
@@ -5207,6 +5694,7 @@
                     <m:r>
                       <a:rPr lang="de-DE" i="1" smtClean="0">
                         <a:effectLst/>
+                        <a:latin typeface="Cambria Math" panose="02040503050406030204" pitchFamily="18" charset="0"/>
                         <a:ea typeface="Calibri" panose="020F0502020204030204" pitchFamily="34" charset="0"/>
                       </a:rPr>
                       <m:t>𝑘𝑧</m:t>
@@ -5234,6 +5722,7 @@
                     <m:r>
                       <a:rPr lang="de-DE" i="1" smtClean="0">
                         <a:effectLst/>
+                        <a:latin typeface="Cambria Math" panose="02040503050406030204" pitchFamily="18" charset="0"/>
                         <a:ea typeface="Calibri" panose="020F0502020204030204" pitchFamily="34" charset="0"/>
                       </a:rPr>
                       <m:t>𝑞</m:t>
@@ -5241,6 +5730,7 @@
                     <m:r>
                       <a:rPr lang="de-DE" i="1" smtClean="0">
                         <a:effectLst/>
+                        <a:latin typeface="Cambria Math" panose="02040503050406030204" pitchFamily="18" charset="0"/>
                         <a:ea typeface="Calibri" panose="020F0502020204030204" pitchFamily="34" charset="0"/>
                       </a:rPr>
                       <m:t>=</m:t>
@@ -5252,6 +5742,7 @@
                         <m:ctrlPr>
                           <a:rPr lang="de-DE" i="1">
                             <a:effectLst/>
+                            <a:latin typeface="Cambria Math" panose="02040503050406030204" pitchFamily="18" charset="0"/>
                             <a:ea typeface="Calibri" panose="020F0502020204030204" pitchFamily="34" charset="0"/>
                           </a:rPr>
                         </m:ctrlPr>
@@ -5260,6 +5751,7 @@
                         <m:r>
                           <a:rPr lang="de-DE" i="1">
                             <a:effectLst/>
+                            <a:latin typeface="Cambria Math" panose="02040503050406030204" pitchFamily="18" charset="0"/>
                             <a:ea typeface="Calibri" panose="020F0502020204030204" pitchFamily="34" charset="0"/>
                           </a:rPr>
                           <m:t>𝑠</m:t>
@@ -5267,6 +5759,7 @@
                         <m:r>
                           <a:rPr lang="de-DE" i="1">
                             <a:effectLst/>
+                            <a:latin typeface="Cambria Math" panose="02040503050406030204" pitchFamily="18" charset="0"/>
                             <a:ea typeface="Calibri" panose="020F0502020204030204" pitchFamily="34" charset="0"/>
                           </a:rPr>
                           <m:t>,</m:t>
@@ -5276,6 +5769,7 @@
                             <m:ctrlPr>
                               <a:rPr lang="de-DE" i="1">
                                 <a:effectLst/>
+                                <a:latin typeface="Cambria Math" panose="02040503050406030204" pitchFamily="18" charset="0"/>
                                 <a:ea typeface="Calibri" panose="020F0502020204030204" pitchFamily="34" charset="0"/>
                               </a:rPr>
                             </m:ctrlPr>
@@ -5286,6 +5780,7 @@
                                 <m:ctrlPr>
                                   <a:rPr lang="de-DE" i="1">
                                     <a:effectLst/>
+                                    <a:latin typeface="Cambria Math" panose="02040503050406030204" pitchFamily="18" charset="0"/>
                                     <a:ea typeface="Calibri" panose="020F0502020204030204" pitchFamily="34" charset="0"/>
                                   </a:rPr>
                                 </m:ctrlPr>
@@ -5294,6 +5789,7 @@
                                 <m:r>
                                   <a:rPr lang="de-DE" i="1">
                                     <a:effectLst/>
+                                    <a:latin typeface="Cambria Math" panose="02040503050406030204" pitchFamily="18" charset="0"/>
                                     <a:ea typeface="Calibri" panose="020F0502020204030204" pitchFamily="34" charset="0"/>
                                   </a:rPr>
                                   <m:t>𝑥</m:t>
@@ -5303,6 +5799,7 @@
                                 <m:r>
                                   <a:rPr lang="de-DE" i="1">
                                     <a:effectLst/>
+                                    <a:latin typeface="Cambria Math" panose="02040503050406030204" pitchFamily="18" charset="0"/>
                                     <a:ea typeface="Calibri" panose="020F0502020204030204" pitchFamily="34" charset="0"/>
                                   </a:rPr>
                                   <m:t>𝑦</m:t>
@@ -5312,6 +5809,7 @@
                                 <m:r>
                                   <a:rPr lang="de-DE" i="1">
                                     <a:effectLst/>
+                                    <a:latin typeface="Cambria Math" panose="02040503050406030204" pitchFamily="18" charset="0"/>
                                     <a:ea typeface="Calibri" panose="020F0502020204030204" pitchFamily="34" charset="0"/>
                                   </a:rPr>
                                   <m:t>𝑧</m:t>
@@ -5335,7 +5833,7 @@
             </p:txBody>
           </p:sp>
         </mc:Choice>
-        <mc:Fallback>
+        <mc:Fallback xmlns="">
           <p:sp>
             <p:nvSpPr>
               <p:cNvPr id="3" name="Inhaltsplatzhalter 2">
@@ -5442,8 +5940,8 @@
           </a:p>
         </p:txBody>
       </p:sp>
-      <mc:AlternateContent xmlns:mc="http://schemas.openxmlformats.org/markup-compatibility/2006">
-        <mc:Choice xmlns:a14="http://schemas.microsoft.com/office/drawing/2010/main" Requires="a14">
+      <mc:AlternateContent xmlns:mc="http://schemas.openxmlformats.org/markup-compatibility/2006" xmlns:a14="http://schemas.microsoft.com/office/drawing/2010/main">
+        <mc:Choice Requires="a14">
           <p:sp>
             <p:nvSpPr>
               <p:cNvPr id="3" name="Inhaltsplatzhalter 2">
@@ -5495,6 +5993,7 @@
                         <m:ctrlPr>
                           <a:rPr lang="de-DE" i="1" smtClean="0">
                             <a:effectLst/>
+                            <a:latin typeface="Cambria Math" panose="02040503050406030204" pitchFamily="18" charset="0"/>
                             <a:ea typeface="Calibri" panose="020F0502020204030204" pitchFamily="34" charset="0"/>
                           </a:rPr>
                         </m:ctrlPr>
@@ -5503,6 +6002,7 @@
                         <m:r>
                           <a:rPr lang="de-DE" i="1">
                             <a:effectLst/>
+                            <a:latin typeface="Cambria Math" panose="02040503050406030204" pitchFamily="18" charset="0"/>
                             <a:ea typeface="Calibri" panose="020F0502020204030204" pitchFamily="34" charset="0"/>
                           </a:rPr>
                           <m:t>𝑖</m:t>
@@ -5512,6 +6012,7 @@
                         <m:r>
                           <a:rPr lang="de-DE">
                             <a:effectLst/>
+                            <a:latin typeface="Cambria Math" panose="02040503050406030204" pitchFamily="18" charset="0"/>
                             <a:ea typeface="Calibri" panose="020F0502020204030204" pitchFamily="34" charset="0"/>
                           </a:rPr>
                           <m:t>2</m:t>
@@ -5521,6 +6022,7 @@
                     <m:r>
                       <a:rPr lang="de-DE">
                         <a:effectLst/>
+                        <a:latin typeface="Cambria Math" panose="02040503050406030204" pitchFamily="18" charset="0"/>
                         <a:ea typeface="Calibri" panose="020F0502020204030204" pitchFamily="34" charset="0"/>
                       </a:rPr>
                       <m:t>=</m:t>
@@ -5530,6 +6032,7 @@
                         <m:ctrlPr>
                           <a:rPr lang="de-DE" i="1">
                             <a:effectLst/>
+                            <a:latin typeface="Cambria Math" panose="02040503050406030204" pitchFamily="18" charset="0"/>
                             <a:ea typeface="Calibri" panose="020F0502020204030204" pitchFamily="34" charset="0"/>
                           </a:rPr>
                         </m:ctrlPr>
@@ -5538,6 +6041,7 @@
                         <m:r>
                           <a:rPr lang="de-DE" i="1">
                             <a:effectLst/>
+                            <a:latin typeface="Cambria Math" panose="02040503050406030204" pitchFamily="18" charset="0"/>
                             <a:ea typeface="Calibri" panose="020F0502020204030204" pitchFamily="34" charset="0"/>
                           </a:rPr>
                           <m:t>𝑘</m:t>
@@ -5547,6 +6051,7 @@
                         <m:r>
                           <a:rPr lang="de-DE">
                             <a:effectLst/>
+                            <a:latin typeface="Cambria Math" panose="02040503050406030204" pitchFamily="18" charset="0"/>
                             <a:ea typeface="Calibri" panose="020F0502020204030204" pitchFamily="34" charset="0"/>
                           </a:rPr>
                           <m:t>2</m:t>
@@ -5556,6 +6061,7 @@
                     <m:r>
                       <a:rPr lang="de-DE">
                         <a:effectLst/>
+                        <a:latin typeface="Cambria Math" panose="02040503050406030204" pitchFamily="18" charset="0"/>
                         <a:ea typeface="Calibri" panose="020F0502020204030204" pitchFamily="34" charset="0"/>
                       </a:rPr>
                       <m:t>=</m:t>
@@ -5565,6 +6071,7 @@
                         <m:ctrlPr>
                           <a:rPr lang="de-DE" i="1">
                             <a:effectLst/>
+                            <a:latin typeface="Cambria Math" panose="02040503050406030204" pitchFamily="18" charset="0"/>
                             <a:ea typeface="Calibri" panose="020F0502020204030204" pitchFamily="34" charset="0"/>
                           </a:rPr>
                         </m:ctrlPr>
@@ -5573,6 +6080,7 @@
                         <m:r>
                           <a:rPr lang="de-DE" i="1">
                             <a:effectLst/>
+                            <a:latin typeface="Cambria Math" panose="02040503050406030204" pitchFamily="18" charset="0"/>
                             <a:ea typeface="Calibri" panose="020F0502020204030204" pitchFamily="34" charset="0"/>
                           </a:rPr>
                           <m:t>𝑗</m:t>
@@ -5582,6 +6090,7 @@
                         <m:r>
                           <a:rPr lang="de-DE">
                             <a:effectLst/>
+                            <a:latin typeface="Cambria Math" panose="02040503050406030204" pitchFamily="18" charset="0"/>
                             <a:ea typeface="Calibri" panose="020F0502020204030204" pitchFamily="34" charset="0"/>
                           </a:rPr>
                           <m:t>2</m:t>
@@ -5591,6 +6100,7 @@
                     <m:r>
                       <a:rPr lang="de-DE">
                         <a:effectLst/>
+                        <a:latin typeface="Cambria Math" panose="02040503050406030204" pitchFamily="18" charset="0"/>
                         <a:ea typeface="Calibri" panose="020F0502020204030204" pitchFamily="34" charset="0"/>
                       </a:rPr>
                       <m:t>=</m:t>
@@ -5598,6 +6108,7 @@
                     <m:r>
                       <a:rPr lang="de-DE" i="1">
                         <a:effectLst/>
+                        <a:latin typeface="Cambria Math" panose="02040503050406030204" pitchFamily="18" charset="0"/>
                         <a:ea typeface="Calibri" panose="020F0502020204030204" pitchFamily="34" charset="0"/>
                       </a:rPr>
                       <m:t>−</m:t>
@@ -5605,6 +6116,7 @@
                     <m:r>
                       <a:rPr lang="de-DE">
                         <a:effectLst/>
+                        <a:latin typeface="Cambria Math" panose="02040503050406030204" pitchFamily="18" charset="0"/>
                         <a:ea typeface="Calibri" panose="020F0502020204030204" pitchFamily="34" charset="0"/>
                       </a:rPr>
                       <m:t>1</m:t>
@@ -5627,27 +6139,39 @@
                 <a14:m>
                   <m:oMath xmlns:m="http://schemas.openxmlformats.org/officeDocument/2006/math">
                     <m:r>
-                      <a:rPr lang="de-DE" b="0" i="0" smtClean="0"/>
+                      <a:rPr lang="de-DE" b="0" i="0" smtClean="0">
+                        <a:latin typeface="Cambria Math" panose="02040503050406030204" pitchFamily="18" charset="0"/>
+                      </a:rPr>
                       <m:t> </m:t>
                     </m:r>
                     <m:r>
-                      <a:rPr lang="de-DE" i="1"/>
+                      <a:rPr lang="de-DE" i="1">
+                        <a:latin typeface="Cambria Math" panose="02040503050406030204" pitchFamily="18" charset="0"/>
+                      </a:rPr>
                       <m:t>𝑖</m:t>
                     </m:r>
                     <m:r>
-                      <a:rPr lang="de-DE" i="1"/>
+                      <a:rPr lang="de-DE" i="1">
+                        <a:latin typeface="Cambria Math" panose="02040503050406030204" pitchFamily="18" charset="0"/>
+                      </a:rPr>
                       <m:t>∙</m:t>
                     </m:r>
                     <m:r>
-                      <a:rPr lang="de-DE" i="1"/>
+                      <a:rPr lang="de-DE" i="1">
+                        <a:latin typeface="Cambria Math" panose="02040503050406030204" pitchFamily="18" charset="0"/>
+                      </a:rPr>
                       <m:t>𝑗</m:t>
                     </m:r>
                     <m:r>
-                      <a:rPr lang="de-DE" i="1"/>
+                      <a:rPr lang="de-DE" i="1">
+                        <a:latin typeface="Cambria Math" panose="02040503050406030204" pitchFamily="18" charset="0"/>
+                      </a:rPr>
                       <m:t>=</m:t>
                     </m:r>
                     <m:r>
-                      <a:rPr lang="de-DE" i="1"/>
+                      <a:rPr lang="de-DE" i="1">
+                        <a:latin typeface="Cambria Math" panose="02040503050406030204" pitchFamily="18" charset="0"/>
+                      </a:rPr>
                       <m:t>𝑘</m:t>
                     </m:r>
                   </m:oMath>
@@ -5659,23 +6183,33 @@
                 <a14:m>
                   <m:oMath xmlns:m="http://schemas.openxmlformats.org/officeDocument/2006/math">
                     <m:r>
-                      <a:rPr lang="de-DE" i="1"/>
+                      <a:rPr lang="de-DE" i="1">
+                        <a:latin typeface="Cambria Math" panose="02040503050406030204" pitchFamily="18" charset="0"/>
+                      </a:rPr>
                       <m:t>𝑗</m:t>
                     </m:r>
                     <m:r>
-                      <a:rPr lang="de-DE" i="1"/>
+                      <a:rPr lang="de-DE" i="1">
+                        <a:latin typeface="Cambria Math" panose="02040503050406030204" pitchFamily="18" charset="0"/>
+                      </a:rPr>
                       <m:t>∙</m:t>
                     </m:r>
                     <m:r>
-                      <a:rPr lang="de-DE" i="1"/>
+                      <a:rPr lang="de-DE" i="1">
+                        <a:latin typeface="Cambria Math" panose="02040503050406030204" pitchFamily="18" charset="0"/>
+                      </a:rPr>
                       <m:t>𝑘</m:t>
                     </m:r>
                     <m:r>
-                      <a:rPr lang="de-DE" i="1"/>
+                      <a:rPr lang="de-DE" i="1">
+                        <a:latin typeface="Cambria Math" panose="02040503050406030204" pitchFamily="18" charset="0"/>
+                      </a:rPr>
                       <m:t>=</m:t>
                     </m:r>
                     <m:r>
-                      <a:rPr lang="de-DE" i="1"/>
+                      <a:rPr lang="de-DE" i="1">
+                        <a:latin typeface="Cambria Math" panose="02040503050406030204" pitchFamily="18" charset="0"/>
+                      </a:rPr>
                       <m:t>𝑖</m:t>
                     </m:r>
                   </m:oMath>
@@ -5687,23 +6221,33 @@
                 <a14:m>
                   <m:oMath xmlns:m="http://schemas.openxmlformats.org/officeDocument/2006/math">
                     <m:r>
-                      <a:rPr lang="de-DE" i="1"/>
+                      <a:rPr lang="de-DE" i="1">
+                        <a:latin typeface="Cambria Math" panose="02040503050406030204" pitchFamily="18" charset="0"/>
+                      </a:rPr>
                       <m:t>𝑘</m:t>
                     </m:r>
                     <m:r>
-                      <a:rPr lang="de-DE" i="1"/>
+                      <a:rPr lang="de-DE" i="1">
+                        <a:latin typeface="Cambria Math" panose="02040503050406030204" pitchFamily="18" charset="0"/>
+                      </a:rPr>
                       <m:t>∙</m:t>
                     </m:r>
                     <m:r>
-                      <a:rPr lang="de-DE" i="1"/>
+                      <a:rPr lang="de-DE" i="1">
+                        <a:latin typeface="Cambria Math" panose="02040503050406030204" pitchFamily="18" charset="0"/>
+                      </a:rPr>
                       <m:t>𝑖</m:t>
                     </m:r>
                     <m:r>
-                      <a:rPr lang="de-DE" i="1"/>
+                      <a:rPr lang="de-DE" i="1">
+                        <a:latin typeface="Cambria Math" panose="02040503050406030204" pitchFamily="18" charset="0"/>
+                      </a:rPr>
                       <m:t>=</m:t>
                     </m:r>
                     <m:r>
-                      <a:rPr lang="de-DE" i="1"/>
+                      <a:rPr lang="de-DE" i="1">
+                        <a:latin typeface="Cambria Math" panose="02040503050406030204" pitchFamily="18" charset="0"/>
+                      </a:rPr>
                       <m:t>𝑗</m:t>
                     </m:r>
                   </m:oMath>
@@ -5732,6 +6276,7 @@
                     <m:r>
                       <a:rPr lang="de-DE" i="1" smtClean="0">
                         <a:effectLst/>
+                        <a:latin typeface="Cambria Math" panose="02040503050406030204" pitchFamily="18" charset="0"/>
                         <a:ea typeface="Yu Mincho" panose="02020400000000000000" pitchFamily="18" charset="-128"/>
                       </a:rPr>
                       <m:t>𝑗</m:t>
@@ -5739,6 +6284,7 @@
                     <m:r>
                       <a:rPr lang="de-DE" i="1">
                         <a:effectLst/>
+                        <a:latin typeface="Cambria Math" panose="02040503050406030204" pitchFamily="18" charset="0"/>
                         <a:ea typeface="Calibri" panose="020F0502020204030204" pitchFamily="34" charset="0"/>
                       </a:rPr>
                       <m:t>∙</m:t>
@@ -5746,6 +6292,7 @@
                     <m:r>
                       <a:rPr lang="de-DE" i="1">
                         <a:effectLst/>
+                        <a:latin typeface="Cambria Math" panose="02040503050406030204" pitchFamily="18" charset="0"/>
                         <a:ea typeface="Calibri" panose="020F0502020204030204" pitchFamily="34" charset="0"/>
                       </a:rPr>
                       <m:t>𝑖</m:t>
@@ -5753,6 +6300,7 @@
                     <m:r>
                       <a:rPr lang="de-DE" i="1">
                         <a:effectLst/>
+                        <a:latin typeface="Cambria Math" panose="02040503050406030204" pitchFamily="18" charset="0"/>
                         <a:ea typeface="Calibri" panose="020F0502020204030204" pitchFamily="34" charset="0"/>
                       </a:rPr>
                       <m:t>=−</m:t>
@@ -5760,6 +6308,7 @@
                     <m:r>
                       <a:rPr lang="de-DE" i="1">
                         <a:effectLst/>
+                        <a:latin typeface="Cambria Math" panose="02040503050406030204" pitchFamily="18" charset="0"/>
                         <a:ea typeface="Calibri" panose="020F0502020204030204" pitchFamily="34" charset="0"/>
                       </a:rPr>
                       <m:t>𝑘</m:t>
@@ -5787,6 +6336,7 @@
                     <m:r>
                       <a:rPr lang="de-DE" i="1">
                         <a:effectLst/>
+                        <a:latin typeface="Cambria Math" panose="02040503050406030204" pitchFamily="18" charset="0"/>
                         <a:ea typeface="Yu Mincho" panose="02020400000000000000" pitchFamily="18" charset="-128"/>
                       </a:rPr>
                       <m:t>𝑖</m:t>
@@ -5794,6 +6344,7 @@
                     <m:r>
                       <a:rPr lang="de-DE" i="1">
                         <a:effectLst/>
+                        <a:latin typeface="Cambria Math" panose="02040503050406030204" pitchFamily="18" charset="0"/>
                         <a:ea typeface="Calibri" panose="020F0502020204030204" pitchFamily="34" charset="0"/>
                       </a:rPr>
                       <m:t>∙</m:t>
@@ -5801,6 +6352,7 @@
                     <m:r>
                       <a:rPr lang="de-DE" i="1">
                         <a:effectLst/>
+                        <a:latin typeface="Cambria Math" panose="02040503050406030204" pitchFamily="18" charset="0"/>
                         <a:ea typeface="Calibri" panose="020F0502020204030204" pitchFamily="34" charset="0"/>
                       </a:rPr>
                       <m:t>𝑘</m:t>
@@ -5808,6 +6360,7 @@
                     <m:r>
                       <a:rPr lang="de-DE" i="1">
                         <a:effectLst/>
+                        <a:latin typeface="Cambria Math" panose="02040503050406030204" pitchFamily="18" charset="0"/>
                         <a:ea typeface="Calibri" panose="020F0502020204030204" pitchFamily="34" charset="0"/>
                       </a:rPr>
                       <m:t>=−</m:t>
@@ -5815,6 +6368,7 @@
                     <m:r>
                       <a:rPr lang="de-DE" i="1">
                         <a:effectLst/>
+                        <a:latin typeface="Cambria Math" panose="02040503050406030204" pitchFamily="18" charset="0"/>
                         <a:ea typeface="Calibri" panose="020F0502020204030204" pitchFamily="34" charset="0"/>
                       </a:rPr>
                       <m:t>𝑗</m:t>
@@ -5834,6 +6388,7 @@
                     <m:r>
                       <a:rPr lang="de-DE" i="1">
                         <a:effectLst/>
+                        <a:latin typeface="Cambria Math" panose="02040503050406030204" pitchFamily="18" charset="0"/>
                         <a:ea typeface="Yu Mincho" panose="02020400000000000000" pitchFamily="18" charset="-128"/>
                         <a:cs typeface="Times New Roman" panose="02020603050405020304" pitchFamily="18" charset="0"/>
                       </a:rPr>
@@ -5842,6 +6397,7 @@
                     <m:r>
                       <a:rPr lang="de-DE" i="1">
                         <a:effectLst/>
+                        <a:latin typeface="Cambria Math" panose="02040503050406030204" pitchFamily="18" charset="0"/>
                         <a:ea typeface="Calibri" panose="020F0502020204030204" pitchFamily="34" charset="0"/>
                       </a:rPr>
                       <m:t>∙</m:t>
@@ -5849,6 +6405,7 @@
                     <m:r>
                       <a:rPr lang="de-DE" i="1">
                         <a:effectLst/>
+                        <a:latin typeface="Cambria Math" panose="02040503050406030204" pitchFamily="18" charset="0"/>
                         <a:ea typeface="Calibri" panose="020F0502020204030204" pitchFamily="34" charset="0"/>
                       </a:rPr>
                       <m:t>𝑗</m:t>
@@ -5856,6 +6413,7 @@
                     <m:r>
                       <a:rPr lang="de-DE" i="1">
                         <a:effectLst/>
+                        <a:latin typeface="Cambria Math" panose="02040503050406030204" pitchFamily="18" charset="0"/>
                         <a:ea typeface="Calibri" panose="020F0502020204030204" pitchFamily="34" charset="0"/>
                       </a:rPr>
                       <m:t>=−</m:t>
@@ -5863,6 +6421,7 @@
                     <m:r>
                       <a:rPr lang="de-DE" i="1">
                         <a:effectLst/>
+                        <a:latin typeface="Cambria Math" panose="02040503050406030204" pitchFamily="18" charset="0"/>
                         <a:ea typeface="Calibri" panose="020F0502020204030204" pitchFamily="34" charset="0"/>
                       </a:rPr>
                       <m:t>𝑖</m:t>
@@ -5887,7 +6446,7 @@
             </p:txBody>
           </p:sp>
         </mc:Choice>
-        <mc:Fallback>
+        <mc:Fallback xmlns="">
           <p:sp>
             <p:nvSpPr>
               <p:cNvPr id="3" name="Inhaltsplatzhalter 2">

--- a/Quaternionen Präsentation.pptx
+++ b/Quaternionen Präsentation.pptx
@@ -4117,10 +4117,6 @@
           <a:lstStyle/>
           <a:p>
             <a:r>
-              <a:rPr lang="de-DE" dirty="0"/>
-              <a:t>Wiederholung: </a:t>
-            </a:r>
-            <a:r>
               <a:rPr lang="de-DE" dirty="0" err="1"/>
               <a:t>Gimbal</a:t>
             </a:r>
@@ -4158,12 +4154,26 @@
           <a:lstStyle/>
           <a:p>
             <a:r>
-              <a:rPr lang="de-DE" dirty="0" err="1"/>
-              <a:t>Gimbal</a:t>
-            </a:r>
-            <a:r>
               <a:rPr lang="de-DE" dirty="0"/>
-              <a:t> Lock</a:t>
+              <a:t>drei konzentrische Ringe</a:t>
+            </a:r>
+          </a:p>
+          <a:p>
+            <a:endParaRPr lang="de-DE" dirty="0"/>
+          </a:p>
+          <a:p>
+            <a:r>
+              <a:rPr lang="de-DE" dirty="0"/>
+              <a:t>Ring = Achse</a:t>
+            </a:r>
+          </a:p>
+          <a:p>
+            <a:endParaRPr lang="de-DE" dirty="0"/>
+          </a:p>
+          <a:p>
+            <a:r>
+              <a:rPr lang="de-DE" dirty="0"/>
+              <a:t>Verlust Freiheitsgrad</a:t>
             </a:r>
           </a:p>
         </p:txBody>

--- a/Quaternionen Präsentation.pptx
+++ b/Quaternionen Präsentation.pptx
@@ -2,7 +2,7 @@
 <file path=ppt/presentation.xml><?xml version="1.0" encoding="utf-8"?>
 <p:presentation xmlns:a="http://schemas.openxmlformats.org/drawingml/2006/main" xmlns:r="http://schemas.openxmlformats.org/officeDocument/2006/relationships" xmlns:p="http://schemas.openxmlformats.org/presentationml/2006/main" autoCompressPictures="0">
   <p:sldMasterIdLst>
-    <p:sldMasterId id="2147483669" r:id="rId1"/>
+    <p:sldMasterId id="2147483698" r:id="rId1"/>
   </p:sldMasterIdLst>
   <p:sldIdLst>
     <p:sldId id="256" r:id="rId2"/>
@@ -148,7 +148,7 @@
           <p:cNvPr id="2" name="Titel 1">
             <a:extLst>
               <a:ext uri="{FF2B5EF4-FFF2-40B4-BE49-F238E27FC236}">
-                <a16:creationId xmlns:a16="http://schemas.microsoft.com/office/drawing/2014/main" id="{FF041BE5-3663-4801-9554-D4323FA51D48}"/>
+                <a16:creationId xmlns:a16="http://schemas.microsoft.com/office/drawing/2014/main" id="{755DE737-75BF-4916-A880-D2600A175431}"/>
               </a:ext>
             </a:extLst>
           </p:cNvPr>
@@ -185,7 +185,7 @@
           <p:cNvPr id="3" name="Untertitel 2">
             <a:extLst>
               <a:ext uri="{FF2B5EF4-FFF2-40B4-BE49-F238E27FC236}">
-                <a16:creationId xmlns:a16="http://schemas.microsoft.com/office/drawing/2014/main" id="{852F6D9D-40D1-48F0-AC23-0E17E5D21401}"/>
+                <a16:creationId xmlns:a16="http://schemas.microsoft.com/office/drawing/2014/main" id="{73838A90-06CC-48A2-9C3A-CFB5DAE2375D}"/>
               </a:ext>
             </a:extLst>
           </p:cNvPr>
@@ -255,7 +255,7 @@
           <p:cNvPr id="4" name="Datumsplatzhalter 3">
             <a:extLst>
               <a:ext uri="{FF2B5EF4-FFF2-40B4-BE49-F238E27FC236}">
-                <a16:creationId xmlns:a16="http://schemas.microsoft.com/office/drawing/2014/main" id="{B8044846-2DFC-42C4-89B7-65009F8E6498}"/>
+                <a16:creationId xmlns:a16="http://schemas.microsoft.com/office/drawing/2014/main" id="{3DFC9EF9-428E-4600-8471-24E3537F6A1B}"/>
               </a:ext>
             </a:extLst>
           </p:cNvPr>
@@ -285,7 +285,7 @@
           <p:cNvPr id="5" name="Fußzeilenplatzhalter 4">
             <a:extLst>
               <a:ext uri="{FF2B5EF4-FFF2-40B4-BE49-F238E27FC236}">
-                <a16:creationId xmlns:a16="http://schemas.microsoft.com/office/drawing/2014/main" id="{89493D5E-1C7F-49E4-B1FB-A3FE548BCBDA}"/>
+                <a16:creationId xmlns:a16="http://schemas.microsoft.com/office/drawing/2014/main" id="{3ACD088C-0D5E-4864-A6BA-1BF0B0617EE0}"/>
               </a:ext>
             </a:extLst>
           </p:cNvPr>
@@ -310,7 +310,7 @@
           <p:cNvPr id="6" name="Foliennummernplatzhalter 5">
             <a:extLst>
               <a:ext uri="{FF2B5EF4-FFF2-40B4-BE49-F238E27FC236}">
-                <a16:creationId xmlns:a16="http://schemas.microsoft.com/office/drawing/2014/main" id="{364B40BC-223D-417D-AF7E-8FDE1225EA20}"/>
+                <a16:creationId xmlns:a16="http://schemas.microsoft.com/office/drawing/2014/main" id="{7812C772-324B-4EDD-A0C3-32DD644F7F35}"/>
               </a:ext>
             </a:extLst>
           </p:cNvPr>
@@ -338,7 +338,7 @@
     </p:spTree>
     <p:extLst>
       <p:ext uri="{BB962C8B-B14F-4D97-AF65-F5344CB8AC3E}">
-        <p14:creationId xmlns:p14="http://schemas.microsoft.com/office/powerpoint/2010/main" val="729952495"/>
+        <p14:creationId xmlns:p14="http://schemas.microsoft.com/office/powerpoint/2010/main" val="3170724146"/>
       </p:ext>
     </p:extLst>
   </p:cSld>
@@ -370,7 +370,7 @@
           <p:cNvPr id="2" name="Titel 1">
             <a:extLst>
               <a:ext uri="{FF2B5EF4-FFF2-40B4-BE49-F238E27FC236}">
-                <a16:creationId xmlns:a16="http://schemas.microsoft.com/office/drawing/2014/main" id="{3D3163C8-344C-42ED-8EC7-6B824101BDA1}"/>
+                <a16:creationId xmlns:a16="http://schemas.microsoft.com/office/drawing/2014/main" id="{B8612EA1-9E3F-400D-B1EB-40E8A7202056}"/>
               </a:ext>
             </a:extLst>
           </p:cNvPr>
@@ -398,7 +398,7 @@
           <p:cNvPr id="3" name="Vertikaler Textplatzhalter 2">
             <a:extLst>
               <a:ext uri="{FF2B5EF4-FFF2-40B4-BE49-F238E27FC236}">
-                <a16:creationId xmlns:a16="http://schemas.microsoft.com/office/drawing/2014/main" id="{FEFB9DD3-2FB1-4C97-A91F-ECF8FE3D281A}"/>
+                <a16:creationId xmlns:a16="http://schemas.microsoft.com/office/drawing/2014/main" id="{85D4B43A-BB6B-4D05-A62B-023AD62FC456}"/>
               </a:ext>
             </a:extLst>
           </p:cNvPr>
@@ -455,7 +455,7 @@
           <p:cNvPr id="4" name="Datumsplatzhalter 3">
             <a:extLst>
               <a:ext uri="{FF2B5EF4-FFF2-40B4-BE49-F238E27FC236}">
-                <a16:creationId xmlns:a16="http://schemas.microsoft.com/office/drawing/2014/main" id="{548E953C-2299-447A-BBCF-FFD53A03EC55}"/>
+                <a16:creationId xmlns:a16="http://schemas.microsoft.com/office/drawing/2014/main" id="{BC323512-7DC9-4A1A-8515-4CEA745CFF3B}"/>
               </a:ext>
             </a:extLst>
           </p:cNvPr>
@@ -485,7 +485,7 @@
           <p:cNvPr id="5" name="Fußzeilenplatzhalter 4">
             <a:extLst>
               <a:ext uri="{FF2B5EF4-FFF2-40B4-BE49-F238E27FC236}">
-                <a16:creationId xmlns:a16="http://schemas.microsoft.com/office/drawing/2014/main" id="{D96A9F08-F337-4E62-B670-4F4D431CC686}"/>
+                <a16:creationId xmlns:a16="http://schemas.microsoft.com/office/drawing/2014/main" id="{BBBDFE0E-DB66-4DF4-B320-846EB1B1EAD5}"/>
               </a:ext>
             </a:extLst>
           </p:cNvPr>
@@ -510,7 +510,7 @@
           <p:cNvPr id="6" name="Foliennummernplatzhalter 5">
             <a:extLst>
               <a:ext uri="{FF2B5EF4-FFF2-40B4-BE49-F238E27FC236}">
-                <a16:creationId xmlns:a16="http://schemas.microsoft.com/office/drawing/2014/main" id="{5BAE5BA1-07B4-4BE9-9DAE-73B1142642A5}"/>
+                <a16:creationId xmlns:a16="http://schemas.microsoft.com/office/drawing/2014/main" id="{EAC4CE48-C45D-469F-A511-AC1A3AB1EE3B}"/>
               </a:ext>
             </a:extLst>
           </p:cNvPr>
@@ -538,7 +538,7 @@
     </p:spTree>
     <p:extLst>
       <p:ext uri="{BB962C8B-B14F-4D97-AF65-F5344CB8AC3E}">
-        <p14:creationId xmlns:p14="http://schemas.microsoft.com/office/powerpoint/2010/main" val="1636267070"/>
+        <p14:creationId xmlns:p14="http://schemas.microsoft.com/office/powerpoint/2010/main" val="3151982537"/>
       </p:ext>
     </p:extLst>
   </p:cSld>
@@ -570,7 +570,7 @@
           <p:cNvPr id="2" name="Vertikaler Titel 1">
             <a:extLst>
               <a:ext uri="{FF2B5EF4-FFF2-40B4-BE49-F238E27FC236}">
-                <a16:creationId xmlns:a16="http://schemas.microsoft.com/office/drawing/2014/main" id="{1774B6C0-0437-4E08-B97B-75A4DFC30EB0}"/>
+                <a16:creationId xmlns:a16="http://schemas.microsoft.com/office/drawing/2014/main" id="{9947E1AC-87B2-4716-A936-A505EC8A6303}"/>
               </a:ext>
             </a:extLst>
           </p:cNvPr>
@@ -603,7 +603,7 @@
           <p:cNvPr id="3" name="Vertikaler Textplatzhalter 2">
             <a:extLst>
               <a:ext uri="{FF2B5EF4-FFF2-40B4-BE49-F238E27FC236}">
-                <a16:creationId xmlns:a16="http://schemas.microsoft.com/office/drawing/2014/main" id="{FCE651E8-02F0-4FCD-AAD6-1E729A1DD544}"/>
+                <a16:creationId xmlns:a16="http://schemas.microsoft.com/office/drawing/2014/main" id="{FBB9C681-ADAE-4E42-9F06-8B41B6B04B1B}"/>
               </a:ext>
             </a:extLst>
           </p:cNvPr>
@@ -665,7 +665,7 @@
           <p:cNvPr id="4" name="Datumsplatzhalter 3">
             <a:extLst>
               <a:ext uri="{FF2B5EF4-FFF2-40B4-BE49-F238E27FC236}">
-                <a16:creationId xmlns:a16="http://schemas.microsoft.com/office/drawing/2014/main" id="{837E6BFD-B10C-4DAD-8075-F5BF7856A32B}"/>
+                <a16:creationId xmlns:a16="http://schemas.microsoft.com/office/drawing/2014/main" id="{F3AC7A27-A76B-4C5B-A2E4-E1EDFC2C9CE9}"/>
               </a:ext>
             </a:extLst>
           </p:cNvPr>
@@ -695,7 +695,7 @@
           <p:cNvPr id="5" name="Fußzeilenplatzhalter 4">
             <a:extLst>
               <a:ext uri="{FF2B5EF4-FFF2-40B4-BE49-F238E27FC236}">
-                <a16:creationId xmlns:a16="http://schemas.microsoft.com/office/drawing/2014/main" id="{611D4E6F-9FAF-4098-A1E2-9718E378F1DC}"/>
+                <a16:creationId xmlns:a16="http://schemas.microsoft.com/office/drawing/2014/main" id="{08AF353E-3F4C-45EE-ACCA-777443F6D3CD}"/>
               </a:ext>
             </a:extLst>
           </p:cNvPr>
@@ -720,7 +720,7 @@
           <p:cNvPr id="6" name="Foliennummernplatzhalter 5">
             <a:extLst>
               <a:ext uri="{FF2B5EF4-FFF2-40B4-BE49-F238E27FC236}">
-                <a16:creationId xmlns:a16="http://schemas.microsoft.com/office/drawing/2014/main" id="{9834B47A-4111-48BC-B87E-E44B8DB90E80}"/>
+                <a16:creationId xmlns:a16="http://schemas.microsoft.com/office/drawing/2014/main" id="{6B8E6D0A-8D22-48CC-9763-1505E2D0088A}"/>
               </a:ext>
             </a:extLst>
           </p:cNvPr>
@@ -748,7 +748,7 @@
     </p:spTree>
     <p:extLst>
       <p:ext uri="{BB962C8B-B14F-4D97-AF65-F5344CB8AC3E}">
-        <p14:creationId xmlns:p14="http://schemas.microsoft.com/office/powerpoint/2010/main" val="2033847793"/>
+        <p14:creationId xmlns:p14="http://schemas.microsoft.com/office/powerpoint/2010/main" val="3590230313"/>
       </p:ext>
     </p:extLst>
   </p:cSld>
@@ -780,7 +780,7 @@
           <p:cNvPr id="2" name="Titel 1">
             <a:extLst>
               <a:ext uri="{FF2B5EF4-FFF2-40B4-BE49-F238E27FC236}">
-                <a16:creationId xmlns:a16="http://schemas.microsoft.com/office/drawing/2014/main" id="{CFF8D41A-9A83-4DE8-A019-A3AAA8D2B291}"/>
+                <a16:creationId xmlns:a16="http://schemas.microsoft.com/office/drawing/2014/main" id="{3EFBD0D9-9139-4452-9CA4-CEDD6C6B5118}"/>
               </a:ext>
             </a:extLst>
           </p:cNvPr>
@@ -808,7 +808,7 @@
           <p:cNvPr id="3" name="Inhaltsplatzhalter 2">
             <a:extLst>
               <a:ext uri="{FF2B5EF4-FFF2-40B4-BE49-F238E27FC236}">
-                <a16:creationId xmlns:a16="http://schemas.microsoft.com/office/drawing/2014/main" id="{4F691C85-B95B-40F4-9B42-1EE6387EB7BD}"/>
+                <a16:creationId xmlns:a16="http://schemas.microsoft.com/office/drawing/2014/main" id="{E8BCE355-6D34-4C17-ABE5-3D5C4B226F76}"/>
               </a:ext>
             </a:extLst>
           </p:cNvPr>
@@ -865,7 +865,7 @@
           <p:cNvPr id="4" name="Datumsplatzhalter 3">
             <a:extLst>
               <a:ext uri="{FF2B5EF4-FFF2-40B4-BE49-F238E27FC236}">
-                <a16:creationId xmlns:a16="http://schemas.microsoft.com/office/drawing/2014/main" id="{B3E4F06C-BCA7-4BE8-960B-03C055AFADEE}"/>
+                <a16:creationId xmlns:a16="http://schemas.microsoft.com/office/drawing/2014/main" id="{21D65725-E5F6-490C-843F-A60B0B482F8E}"/>
               </a:ext>
             </a:extLst>
           </p:cNvPr>
@@ -895,7 +895,7 @@
           <p:cNvPr id="5" name="Fußzeilenplatzhalter 4">
             <a:extLst>
               <a:ext uri="{FF2B5EF4-FFF2-40B4-BE49-F238E27FC236}">
-                <a16:creationId xmlns:a16="http://schemas.microsoft.com/office/drawing/2014/main" id="{011B02EB-D122-4EF8-9B79-05A8FB0C87FB}"/>
+                <a16:creationId xmlns:a16="http://schemas.microsoft.com/office/drawing/2014/main" id="{E5ADAF38-F1BB-4255-953F-E8B37CE041BF}"/>
               </a:ext>
             </a:extLst>
           </p:cNvPr>
@@ -920,7 +920,7 @@
           <p:cNvPr id="6" name="Foliennummernplatzhalter 5">
             <a:extLst>
               <a:ext uri="{FF2B5EF4-FFF2-40B4-BE49-F238E27FC236}">
-                <a16:creationId xmlns:a16="http://schemas.microsoft.com/office/drawing/2014/main" id="{1086E3EC-00E1-40A0-9BEE-3E459A337745}"/>
+                <a16:creationId xmlns:a16="http://schemas.microsoft.com/office/drawing/2014/main" id="{385EEFB3-B9D5-42AE-A560-39C6666808A4}"/>
               </a:ext>
             </a:extLst>
           </p:cNvPr>
@@ -948,7 +948,7 @@
     </p:spTree>
     <p:extLst>
       <p:ext uri="{BB962C8B-B14F-4D97-AF65-F5344CB8AC3E}">
-        <p14:creationId xmlns:p14="http://schemas.microsoft.com/office/powerpoint/2010/main" val="973769788"/>
+        <p14:creationId xmlns:p14="http://schemas.microsoft.com/office/powerpoint/2010/main" val="2152397643"/>
       </p:ext>
     </p:extLst>
   </p:cSld>
@@ -980,7 +980,7 @@
           <p:cNvPr id="2" name="Titel 1">
             <a:extLst>
               <a:ext uri="{FF2B5EF4-FFF2-40B4-BE49-F238E27FC236}">
-                <a16:creationId xmlns:a16="http://schemas.microsoft.com/office/drawing/2014/main" id="{5BC3D57C-5557-4E6C-848D-92E837E686BE}"/>
+                <a16:creationId xmlns:a16="http://schemas.microsoft.com/office/drawing/2014/main" id="{606D9A83-F1EA-41E5-B421-BCAFFB2CCE26}"/>
               </a:ext>
             </a:extLst>
           </p:cNvPr>
@@ -1017,7 +1017,7 @@
           <p:cNvPr id="3" name="Textplatzhalter 2">
             <a:extLst>
               <a:ext uri="{FF2B5EF4-FFF2-40B4-BE49-F238E27FC236}">
-                <a16:creationId xmlns:a16="http://schemas.microsoft.com/office/drawing/2014/main" id="{EB6C2858-E794-4419-A3DE-55FAEABB917A}"/>
+                <a16:creationId xmlns:a16="http://schemas.microsoft.com/office/drawing/2014/main" id="{2DAE7660-E1C4-4579-87D8-94BE09A97881}"/>
               </a:ext>
             </a:extLst>
           </p:cNvPr>
@@ -1142,7 +1142,7 @@
           <p:cNvPr id="4" name="Datumsplatzhalter 3">
             <a:extLst>
               <a:ext uri="{FF2B5EF4-FFF2-40B4-BE49-F238E27FC236}">
-                <a16:creationId xmlns:a16="http://schemas.microsoft.com/office/drawing/2014/main" id="{6FDDD808-2342-4859-9090-33B85AA5F896}"/>
+                <a16:creationId xmlns:a16="http://schemas.microsoft.com/office/drawing/2014/main" id="{0D4B6562-F617-4249-A447-6508F1DFE9EE}"/>
               </a:ext>
             </a:extLst>
           </p:cNvPr>
@@ -1172,7 +1172,7 @@
           <p:cNvPr id="5" name="Fußzeilenplatzhalter 4">
             <a:extLst>
               <a:ext uri="{FF2B5EF4-FFF2-40B4-BE49-F238E27FC236}">
-                <a16:creationId xmlns:a16="http://schemas.microsoft.com/office/drawing/2014/main" id="{39741084-A1C0-4BAA-91A7-35A74325BF08}"/>
+                <a16:creationId xmlns:a16="http://schemas.microsoft.com/office/drawing/2014/main" id="{AC992175-43B3-4CFF-9FF7-6BD0A9B2FDA1}"/>
               </a:ext>
             </a:extLst>
           </p:cNvPr>
@@ -1197,7 +1197,7 @@
           <p:cNvPr id="6" name="Foliennummernplatzhalter 5">
             <a:extLst>
               <a:ext uri="{FF2B5EF4-FFF2-40B4-BE49-F238E27FC236}">
-                <a16:creationId xmlns:a16="http://schemas.microsoft.com/office/drawing/2014/main" id="{10DF896E-01E3-496E-B7AC-18646B39A6DA}"/>
+                <a16:creationId xmlns:a16="http://schemas.microsoft.com/office/drawing/2014/main" id="{A03A18D2-4BF0-46B2-BE20-BF3AF105E341}"/>
               </a:ext>
             </a:extLst>
           </p:cNvPr>
@@ -1225,7 +1225,7 @@
     </p:spTree>
     <p:extLst>
       <p:ext uri="{BB962C8B-B14F-4D97-AF65-F5344CB8AC3E}">
-        <p14:creationId xmlns:p14="http://schemas.microsoft.com/office/powerpoint/2010/main" val="1663669235"/>
+        <p14:creationId xmlns:p14="http://schemas.microsoft.com/office/powerpoint/2010/main" val="2183944944"/>
       </p:ext>
     </p:extLst>
   </p:cSld>
@@ -1257,7 +1257,7 @@
           <p:cNvPr id="2" name="Titel 1">
             <a:extLst>
               <a:ext uri="{FF2B5EF4-FFF2-40B4-BE49-F238E27FC236}">
-                <a16:creationId xmlns:a16="http://schemas.microsoft.com/office/drawing/2014/main" id="{9FCC7AB6-0A60-4073-8D96-D0F82B9CD834}"/>
+                <a16:creationId xmlns:a16="http://schemas.microsoft.com/office/drawing/2014/main" id="{95C6EF91-1F93-4520-882C-3C075241F41D}"/>
               </a:ext>
             </a:extLst>
           </p:cNvPr>
@@ -1285,7 +1285,7 @@
           <p:cNvPr id="3" name="Inhaltsplatzhalter 2">
             <a:extLst>
               <a:ext uri="{FF2B5EF4-FFF2-40B4-BE49-F238E27FC236}">
-                <a16:creationId xmlns:a16="http://schemas.microsoft.com/office/drawing/2014/main" id="{6ADEAFAA-CFB0-4047-8C00-0A0E801B0636}"/>
+                <a16:creationId xmlns:a16="http://schemas.microsoft.com/office/drawing/2014/main" id="{3140398A-18C9-4F36-A5BB-919F2AAC21F3}"/>
               </a:ext>
             </a:extLst>
           </p:cNvPr>
@@ -1347,7 +1347,7 @@
           <p:cNvPr id="4" name="Inhaltsplatzhalter 3">
             <a:extLst>
               <a:ext uri="{FF2B5EF4-FFF2-40B4-BE49-F238E27FC236}">
-                <a16:creationId xmlns:a16="http://schemas.microsoft.com/office/drawing/2014/main" id="{31A1F973-74D2-4ECB-84A4-27F47D66DAFE}"/>
+                <a16:creationId xmlns:a16="http://schemas.microsoft.com/office/drawing/2014/main" id="{5DDF8FE2-D863-43F7-AF1B-82EEA3BE91D9}"/>
               </a:ext>
             </a:extLst>
           </p:cNvPr>
@@ -1409,7 +1409,7 @@
           <p:cNvPr id="5" name="Datumsplatzhalter 4">
             <a:extLst>
               <a:ext uri="{FF2B5EF4-FFF2-40B4-BE49-F238E27FC236}">
-                <a16:creationId xmlns:a16="http://schemas.microsoft.com/office/drawing/2014/main" id="{7D09D73A-D74E-42EB-8E12-C793173666B5}"/>
+                <a16:creationId xmlns:a16="http://schemas.microsoft.com/office/drawing/2014/main" id="{7D24B2A2-3612-4B28-83B8-AAE46E1CAC9C}"/>
               </a:ext>
             </a:extLst>
           </p:cNvPr>
@@ -1439,7 +1439,7 @@
           <p:cNvPr id="6" name="Fußzeilenplatzhalter 5">
             <a:extLst>
               <a:ext uri="{FF2B5EF4-FFF2-40B4-BE49-F238E27FC236}">
-                <a16:creationId xmlns:a16="http://schemas.microsoft.com/office/drawing/2014/main" id="{BF98DB5A-344A-47E7-9417-EDEAF491238C}"/>
+                <a16:creationId xmlns:a16="http://schemas.microsoft.com/office/drawing/2014/main" id="{1AA7C26E-6CF9-4A44-837B-8C4C1953B873}"/>
               </a:ext>
             </a:extLst>
           </p:cNvPr>
@@ -1464,7 +1464,7 @@
           <p:cNvPr id="7" name="Foliennummernplatzhalter 6">
             <a:extLst>
               <a:ext uri="{FF2B5EF4-FFF2-40B4-BE49-F238E27FC236}">
-                <a16:creationId xmlns:a16="http://schemas.microsoft.com/office/drawing/2014/main" id="{B365FC2A-582E-47B9-9F12-F4785F6A0189}"/>
+                <a16:creationId xmlns:a16="http://schemas.microsoft.com/office/drawing/2014/main" id="{E50FB193-35E0-4D47-82F2-F5BEA6BAED94}"/>
               </a:ext>
             </a:extLst>
           </p:cNvPr>
@@ -1492,7 +1492,7 @@
     </p:spTree>
     <p:extLst>
       <p:ext uri="{BB962C8B-B14F-4D97-AF65-F5344CB8AC3E}">
-        <p14:creationId xmlns:p14="http://schemas.microsoft.com/office/powerpoint/2010/main" val="1749513607"/>
+        <p14:creationId xmlns:p14="http://schemas.microsoft.com/office/powerpoint/2010/main" val="1451498476"/>
       </p:ext>
     </p:extLst>
   </p:cSld>
@@ -1524,7 +1524,7 @@
           <p:cNvPr id="2" name="Titel 1">
             <a:extLst>
               <a:ext uri="{FF2B5EF4-FFF2-40B4-BE49-F238E27FC236}">
-                <a16:creationId xmlns:a16="http://schemas.microsoft.com/office/drawing/2014/main" id="{FCEAFFB6-DEE8-46FD-A8A9-9ED05064A523}"/>
+                <a16:creationId xmlns:a16="http://schemas.microsoft.com/office/drawing/2014/main" id="{CBF0DC07-74A3-4978-8A44-C4C162A669D7}"/>
               </a:ext>
             </a:extLst>
           </p:cNvPr>
@@ -1557,7 +1557,7 @@
           <p:cNvPr id="3" name="Textplatzhalter 2">
             <a:extLst>
               <a:ext uri="{FF2B5EF4-FFF2-40B4-BE49-F238E27FC236}">
-                <a16:creationId xmlns:a16="http://schemas.microsoft.com/office/drawing/2014/main" id="{951EF513-1522-4E30-A3D6-60EF62145B9C}"/>
+                <a16:creationId xmlns:a16="http://schemas.microsoft.com/office/drawing/2014/main" id="{890FC6D5-F16D-42EF-B1CC-258C38548096}"/>
               </a:ext>
             </a:extLst>
           </p:cNvPr>
@@ -1628,7 +1628,7 @@
           <p:cNvPr id="4" name="Inhaltsplatzhalter 3">
             <a:extLst>
               <a:ext uri="{FF2B5EF4-FFF2-40B4-BE49-F238E27FC236}">
-                <a16:creationId xmlns:a16="http://schemas.microsoft.com/office/drawing/2014/main" id="{60C65EE3-FCD8-430B-8B19-B2F4DC81EA12}"/>
+                <a16:creationId xmlns:a16="http://schemas.microsoft.com/office/drawing/2014/main" id="{D83661A2-E35C-4E23-89B3-836B1E873B47}"/>
               </a:ext>
             </a:extLst>
           </p:cNvPr>
@@ -1690,7 +1690,7 @@
           <p:cNvPr id="5" name="Textplatzhalter 4">
             <a:extLst>
               <a:ext uri="{FF2B5EF4-FFF2-40B4-BE49-F238E27FC236}">
-                <a16:creationId xmlns:a16="http://schemas.microsoft.com/office/drawing/2014/main" id="{1B7D8322-6A52-4DB3-A100-9AA9805086C2}"/>
+                <a16:creationId xmlns:a16="http://schemas.microsoft.com/office/drawing/2014/main" id="{DCF27F42-2F25-4CD2-B9BF-3845790F560E}"/>
               </a:ext>
             </a:extLst>
           </p:cNvPr>
@@ -1761,7 +1761,7 @@
           <p:cNvPr id="6" name="Inhaltsplatzhalter 5">
             <a:extLst>
               <a:ext uri="{FF2B5EF4-FFF2-40B4-BE49-F238E27FC236}">
-                <a16:creationId xmlns:a16="http://schemas.microsoft.com/office/drawing/2014/main" id="{15BADD6D-9CAF-4F3A-A2D1-5129888D60D6}"/>
+                <a16:creationId xmlns:a16="http://schemas.microsoft.com/office/drawing/2014/main" id="{D97284C5-EB3A-401C-B55D-2D99F3514A03}"/>
               </a:ext>
             </a:extLst>
           </p:cNvPr>
@@ -1823,7 +1823,7 @@
           <p:cNvPr id="7" name="Datumsplatzhalter 6">
             <a:extLst>
               <a:ext uri="{FF2B5EF4-FFF2-40B4-BE49-F238E27FC236}">
-                <a16:creationId xmlns:a16="http://schemas.microsoft.com/office/drawing/2014/main" id="{B23CED6F-C5B4-4DF5-AAF3-30CCAF9A4AED}"/>
+                <a16:creationId xmlns:a16="http://schemas.microsoft.com/office/drawing/2014/main" id="{B04310A4-65A3-4FAA-AFD6-5E24AE0D578E}"/>
               </a:ext>
             </a:extLst>
           </p:cNvPr>
@@ -1853,7 +1853,7 @@
           <p:cNvPr id="8" name="Fußzeilenplatzhalter 7">
             <a:extLst>
               <a:ext uri="{FF2B5EF4-FFF2-40B4-BE49-F238E27FC236}">
-                <a16:creationId xmlns:a16="http://schemas.microsoft.com/office/drawing/2014/main" id="{4CA74EF0-3A6A-41A0-938F-C44E66782D93}"/>
+                <a16:creationId xmlns:a16="http://schemas.microsoft.com/office/drawing/2014/main" id="{784BBF1C-1804-4AD8-8998-0AFB75925444}"/>
               </a:ext>
             </a:extLst>
           </p:cNvPr>
@@ -1878,7 +1878,7 @@
           <p:cNvPr id="9" name="Foliennummernplatzhalter 8">
             <a:extLst>
               <a:ext uri="{FF2B5EF4-FFF2-40B4-BE49-F238E27FC236}">
-                <a16:creationId xmlns:a16="http://schemas.microsoft.com/office/drawing/2014/main" id="{EF7CE8E8-DEFA-40CB-9D62-8AEE9AAF2633}"/>
+                <a16:creationId xmlns:a16="http://schemas.microsoft.com/office/drawing/2014/main" id="{B5774ADB-1868-4A46-93F7-723C74EFD518}"/>
               </a:ext>
             </a:extLst>
           </p:cNvPr>
@@ -1906,7 +1906,7 @@
     </p:spTree>
     <p:extLst>
       <p:ext uri="{BB962C8B-B14F-4D97-AF65-F5344CB8AC3E}">
-        <p14:creationId xmlns:p14="http://schemas.microsoft.com/office/powerpoint/2010/main" val="2265591292"/>
+        <p14:creationId xmlns:p14="http://schemas.microsoft.com/office/powerpoint/2010/main" val="2229965541"/>
       </p:ext>
     </p:extLst>
   </p:cSld>
@@ -1938,7 +1938,7 @@
           <p:cNvPr id="2" name="Titel 1">
             <a:extLst>
               <a:ext uri="{FF2B5EF4-FFF2-40B4-BE49-F238E27FC236}">
-                <a16:creationId xmlns:a16="http://schemas.microsoft.com/office/drawing/2014/main" id="{0FF99020-9396-4D36-9F9C-73E9EF38BD4B}"/>
+                <a16:creationId xmlns:a16="http://schemas.microsoft.com/office/drawing/2014/main" id="{A19CC0CE-B269-4D94-A349-620C928753B0}"/>
               </a:ext>
             </a:extLst>
           </p:cNvPr>
@@ -1966,7 +1966,7 @@
           <p:cNvPr id="3" name="Datumsplatzhalter 2">
             <a:extLst>
               <a:ext uri="{FF2B5EF4-FFF2-40B4-BE49-F238E27FC236}">
-                <a16:creationId xmlns:a16="http://schemas.microsoft.com/office/drawing/2014/main" id="{1EFBB6C8-769C-4F04-8A27-C27D611B8DF0}"/>
+                <a16:creationId xmlns:a16="http://schemas.microsoft.com/office/drawing/2014/main" id="{634A2777-A159-4322-AD52-BDE050F90AE8}"/>
               </a:ext>
             </a:extLst>
           </p:cNvPr>
@@ -1996,7 +1996,7 @@
           <p:cNvPr id="4" name="Fußzeilenplatzhalter 3">
             <a:extLst>
               <a:ext uri="{FF2B5EF4-FFF2-40B4-BE49-F238E27FC236}">
-                <a16:creationId xmlns:a16="http://schemas.microsoft.com/office/drawing/2014/main" id="{DFE55193-E2A6-4BCD-A58B-64D37B4086E9}"/>
+                <a16:creationId xmlns:a16="http://schemas.microsoft.com/office/drawing/2014/main" id="{45FC5754-B052-4FE1-8368-BDEC1B8FCE73}"/>
               </a:ext>
             </a:extLst>
           </p:cNvPr>
@@ -2021,7 +2021,7 @@
           <p:cNvPr id="5" name="Foliennummernplatzhalter 4">
             <a:extLst>
               <a:ext uri="{FF2B5EF4-FFF2-40B4-BE49-F238E27FC236}">
-                <a16:creationId xmlns:a16="http://schemas.microsoft.com/office/drawing/2014/main" id="{AC598E34-5E46-4077-A41F-4DFE17EC8929}"/>
+                <a16:creationId xmlns:a16="http://schemas.microsoft.com/office/drawing/2014/main" id="{5C4CAC95-C702-4736-BA28-9ECACDA8928A}"/>
               </a:ext>
             </a:extLst>
           </p:cNvPr>
@@ -2049,7 +2049,7 @@
     </p:spTree>
     <p:extLst>
       <p:ext uri="{BB962C8B-B14F-4D97-AF65-F5344CB8AC3E}">
-        <p14:creationId xmlns:p14="http://schemas.microsoft.com/office/powerpoint/2010/main" val="1534259840"/>
+        <p14:creationId xmlns:p14="http://schemas.microsoft.com/office/powerpoint/2010/main" val="1379628545"/>
       </p:ext>
     </p:extLst>
   </p:cSld>
@@ -2081,7 +2081,7 @@
           <p:cNvPr id="2" name="Datumsplatzhalter 1">
             <a:extLst>
               <a:ext uri="{FF2B5EF4-FFF2-40B4-BE49-F238E27FC236}">
-                <a16:creationId xmlns:a16="http://schemas.microsoft.com/office/drawing/2014/main" id="{85FA1E5C-1B9D-4BEB-A08A-481C70BAB144}"/>
+                <a16:creationId xmlns:a16="http://schemas.microsoft.com/office/drawing/2014/main" id="{31E24004-8FAE-4435-9408-F709344F6404}"/>
               </a:ext>
             </a:extLst>
           </p:cNvPr>
@@ -2111,7 +2111,7 @@
           <p:cNvPr id="3" name="Fußzeilenplatzhalter 2">
             <a:extLst>
               <a:ext uri="{FF2B5EF4-FFF2-40B4-BE49-F238E27FC236}">
-                <a16:creationId xmlns:a16="http://schemas.microsoft.com/office/drawing/2014/main" id="{0E280CB4-E855-46C9-8A6C-7D1E5B4379EB}"/>
+                <a16:creationId xmlns:a16="http://schemas.microsoft.com/office/drawing/2014/main" id="{DBF5F66A-03BB-49F4-BD01-AEB22830F2A1}"/>
               </a:ext>
             </a:extLst>
           </p:cNvPr>
@@ -2136,7 +2136,7 @@
           <p:cNvPr id="4" name="Foliennummernplatzhalter 3">
             <a:extLst>
               <a:ext uri="{FF2B5EF4-FFF2-40B4-BE49-F238E27FC236}">
-                <a16:creationId xmlns:a16="http://schemas.microsoft.com/office/drawing/2014/main" id="{A28E0BD8-DED3-4E4D-8BFC-B864F731A7F2}"/>
+                <a16:creationId xmlns:a16="http://schemas.microsoft.com/office/drawing/2014/main" id="{B32C13C2-F4AE-4A47-A42A-2E41A1CA0727}"/>
               </a:ext>
             </a:extLst>
           </p:cNvPr>
@@ -2164,7 +2164,7 @@
     </p:spTree>
     <p:extLst>
       <p:ext uri="{BB962C8B-B14F-4D97-AF65-F5344CB8AC3E}">
-        <p14:creationId xmlns:p14="http://schemas.microsoft.com/office/powerpoint/2010/main" val="337910823"/>
+        <p14:creationId xmlns:p14="http://schemas.microsoft.com/office/powerpoint/2010/main" val="1448544112"/>
       </p:ext>
     </p:extLst>
   </p:cSld>
@@ -2196,7 +2196,7 @@
           <p:cNvPr id="2" name="Titel 1">
             <a:extLst>
               <a:ext uri="{FF2B5EF4-FFF2-40B4-BE49-F238E27FC236}">
-                <a16:creationId xmlns:a16="http://schemas.microsoft.com/office/drawing/2014/main" id="{73D4E510-B225-4372-8CA8-56C42FFA0DB3}"/>
+                <a16:creationId xmlns:a16="http://schemas.microsoft.com/office/drawing/2014/main" id="{45F4C5B3-D380-4D70-9F61-FE9BD7DF9320}"/>
               </a:ext>
             </a:extLst>
           </p:cNvPr>
@@ -2233,7 +2233,7 @@
           <p:cNvPr id="3" name="Inhaltsplatzhalter 2">
             <a:extLst>
               <a:ext uri="{FF2B5EF4-FFF2-40B4-BE49-F238E27FC236}">
-                <a16:creationId xmlns:a16="http://schemas.microsoft.com/office/drawing/2014/main" id="{C7C3DE56-1188-42DF-9D85-240B0C52FED9}"/>
+                <a16:creationId xmlns:a16="http://schemas.microsoft.com/office/drawing/2014/main" id="{1B7B66CD-8014-4BD9-8D71-FBD2045BB5BC}"/>
               </a:ext>
             </a:extLst>
           </p:cNvPr>
@@ -2323,7 +2323,7 @@
           <p:cNvPr id="4" name="Textplatzhalter 3">
             <a:extLst>
               <a:ext uri="{FF2B5EF4-FFF2-40B4-BE49-F238E27FC236}">
-                <a16:creationId xmlns:a16="http://schemas.microsoft.com/office/drawing/2014/main" id="{9BDE712E-1F16-4579-8561-DE0A90BEA70F}"/>
+                <a16:creationId xmlns:a16="http://schemas.microsoft.com/office/drawing/2014/main" id="{E0C4A946-FFF6-4BB3-A0BF-F472B10A4AD1}"/>
               </a:ext>
             </a:extLst>
           </p:cNvPr>
@@ -2394,7 +2394,7 @@
           <p:cNvPr id="5" name="Datumsplatzhalter 4">
             <a:extLst>
               <a:ext uri="{FF2B5EF4-FFF2-40B4-BE49-F238E27FC236}">
-                <a16:creationId xmlns:a16="http://schemas.microsoft.com/office/drawing/2014/main" id="{8D688507-ADB4-4FF9-B3D7-16FEF75F9DBE}"/>
+                <a16:creationId xmlns:a16="http://schemas.microsoft.com/office/drawing/2014/main" id="{D86346CB-BE5B-4154-B449-107EB8BE350A}"/>
               </a:ext>
             </a:extLst>
           </p:cNvPr>
@@ -2424,7 +2424,7 @@
           <p:cNvPr id="6" name="Fußzeilenplatzhalter 5">
             <a:extLst>
               <a:ext uri="{FF2B5EF4-FFF2-40B4-BE49-F238E27FC236}">
-                <a16:creationId xmlns:a16="http://schemas.microsoft.com/office/drawing/2014/main" id="{5759D2E5-997B-429A-91C4-09B04D3E1952}"/>
+                <a16:creationId xmlns:a16="http://schemas.microsoft.com/office/drawing/2014/main" id="{A99E3D3A-7D97-436E-AFF4-7D74CE0F7586}"/>
               </a:ext>
             </a:extLst>
           </p:cNvPr>
@@ -2449,7 +2449,7 @@
           <p:cNvPr id="7" name="Foliennummernplatzhalter 6">
             <a:extLst>
               <a:ext uri="{FF2B5EF4-FFF2-40B4-BE49-F238E27FC236}">
-                <a16:creationId xmlns:a16="http://schemas.microsoft.com/office/drawing/2014/main" id="{B455013E-13B7-4599-8534-EBCAE933F99F}"/>
+                <a16:creationId xmlns:a16="http://schemas.microsoft.com/office/drawing/2014/main" id="{1B27DDD3-8D1A-4C5D-9A48-AFB0D7E160EF}"/>
               </a:ext>
             </a:extLst>
           </p:cNvPr>
@@ -2477,7 +2477,7 @@
     </p:spTree>
     <p:extLst>
       <p:ext uri="{BB962C8B-B14F-4D97-AF65-F5344CB8AC3E}">
-        <p14:creationId xmlns:p14="http://schemas.microsoft.com/office/powerpoint/2010/main" val="1445746407"/>
+        <p14:creationId xmlns:p14="http://schemas.microsoft.com/office/powerpoint/2010/main" val="666682061"/>
       </p:ext>
     </p:extLst>
   </p:cSld>
@@ -2509,7 +2509,7 @@
           <p:cNvPr id="2" name="Titel 1">
             <a:extLst>
               <a:ext uri="{FF2B5EF4-FFF2-40B4-BE49-F238E27FC236}">
-                <a16:creationId xmlns:a16="http://schemas.microsoft.com/office/drawing/2014/main" id="{9943BB3A-7CA4-4930-8215-4A1C40319BBD}"/>
+                <a16:creationId xmlns:a16="http://schemas.microsoft.com/office/drawing/2014/main" id="{04E61A83-1013-4025-AC33-319F89F86C5F}"/>
               </a:ext>
             </a:extLst>
           </p:cNvPr>
@@ -2546,7 +2546,7 @@
           <p:cNvPr id="3" name="Bildplatzhalter 2">
             <a:extLst>
               <a:ext uri="{FF2B5EF4-FFF2-40B4-BE49-F238E27FC236}">
-                <a16:creationId xmlns:a16="http://schemas.microsoft.com/office/drawing/2014/main" id="{09B38C5D-F00B-4CD6-BC17-EF6154AB28A0}"/>
+                <a16:creationId xmlns:a16="http://schemas.microsoft.com/office/drawing/2014/main" id="{DE94E7F8-936B-4882-AE37-3FE6E490A855}"/>
               </a:ext>
             </a:extLst>
           </p:cNvPr>
@@ -2613,7 +2613,7 @@
           <p:cNvPr id="4" name="Textplatzhalter 3">
             <a:extLst>
               <a:ext uri="{FF2B5EF4-FFF2-40B4-BE49-F238E27FC236}">
-                <a16:creationId xmlns:a16="http://schemas.microsoft.com/office/drawing/2014/main" id="{CE64514B-BCB2-43EF-AD17-6C60FA0EF45D}"/>
+                <a16:creationId xmlns:a16="http://schemas.microsoft.com/office/drawing/2014/main" id="{2AE4338A-C0F6-49AC-9DC1-6AC63F4B56F5}"/>
               </a:ext>
             </a:extLst>
           </p:cNvPr>
@@ -2684,7 +2684,7 @@
           <p:cNvPr id="5" name="Datumsplatzhalter 4">
             <a:extLst>
               <a:ext uri="{FF2B5EF4-FFF2-40B4-BE49-F238E27FC236}">
-                <a16:creationId xmlns:a16="http://schemas.microsoft.com/office/drawing/2014/main" id="{4BFA21B8-C1A3-4604-B81F-CFE3FFE9D0D3}"/>
+                <a16:creationId xmlns:a16="http://schemas.microsoft.com/office/drawing/2014/main" id="{4618446E-44B5-445E-AA93-F7309201C949}"/>
               </a:ext>
             </a:extLst>
           </p:cNvPr>
@@ -2714,7 +2714,7 @@
           <p:cNvPr id="6" name="Fußzeilenplatzhalter 5">
             <a:extLst>
               <a:ext uri="{FF2B5EF4-FFF2-40B4-BE49-F238E27FC236}">
-                <a16:creationId xmlns:a16="http://schemas.microsoft.com/office/drawing/2014/main" id="{00C7B671-BEDE-4BCE-9B37-6C3A66F2C5A4}"/>
+                <a16:creationId xmlns:a16="http://schemas.microsoft.com/office/drawing/2014/main" id="{D97D3727-A606-459E-9AAF-F3628F1D2959}"/>
               </a:ext>
             </a:extLst>
           </p:cNvPr>
@@ -2739,7 +2739,7 @@
           <p:cNvPr id="7" name="Foliennummernplatzhalter 6">
             <a:extLst>
               <a:ext uri="{FF2B5EF4-FFF2-40B4-BE49-F238E27FC236}">
-                <a16:creationId xmlns:a16="http://schemas.microsoft.com/office/drawing/2014/main" id="{18698B67-9C0C-48E3-90AD-C9AD972536C5}"/>
+                <a16:creationId xmlns:a16="http://schemas.microsoft.com/office/drawing/2014/main" id="{0BFDEA32-2B24-4D67-84B8-590C31365007}"/>
               </a:ext>
             </a:extLst>
           </p:cNvPr>
@@ -2767,7 +2767,7 @@
     </p:spTree>
     <p:extLst>
       <p:ext uri="{BB962C8B-B14F-4D97-AF65-F5344CB8AC3E}">
-        <p14:creationId xmlns:p14="http://schemas.microsoft.com/office/powerpoint/2010/main" val="224013525"/>
+        <p14:creationId xmlns:p14="http://schemas.microsoft.com/office/powerpoint/2010/main" val="522083508"/>
       </p:ext>
     </p:extLst>
   </p:cSld>
@@ -2804,7 +2804,7 @@
           <p:cNvPr id="2" name="Titelplatzhalter 1">
             <a:extLst>
               <a:ext uri="{FF2B5EF4-FFF2-40B4-BE49-F238E27FC236}">
-                <a16:creationId xmlns:a16="http://schemas.microsoft.com/office/drawing/2014/main" id="{5EB5187F-0F21-4EDF-8CCC-F525BF2865B1}"/>
+                <a16:creationId xmlns:a16="http://schemas.microsoft.com/office/drawing/2014/main" id="{81801109-E6FB-47F5-B99A-AB5D1F25DDF7}"/>
               </a:ext>
             </a:extLst>
           </p:cNvPr>
@@ -2842,7 +2842,7 @@
           <p:cNvPr id="3" name="Textplatzhalter 2">
             <a:extLst>
               <a:ext uri="{FF2B5EF4-FFF2-40B4-BE49-F238E27FC236}">
-                <a16:creationId xmlns:a16="http://schemas.microsoft.com/office/drawing/2014/main" id="{F40ADB48-46EE-48AA-831A-924B7EC92C2A}"/>
+                <a16:creationId xmlns:a16="http://schemas.microsoft.com/office/drawing/2014/main" id="{E3B4DD63-9374-46E4-882F-787DC6D95504}"/>
               </a:ext>
             </a:extLst>
           </p:cNvPr>
@@ -2909,7 +2909,7 @@
           <p:cNvPr id="4" name="Datumsplatzhalter 3">
             <a:extLst>
               <a:ext uri="{FF2B5EF4-FFF2-40B4-BE49-F238E27FC236}">
-                <a16:creationId xmlns:a16="http://schemas.microsoft.com/office/drawing/2014/main" id="{A7EFCC72-DE33-4506-A6BD-65CC1FCAC70B}"/>
+                <a16:creationId xmlns:a16="http://schemas.microsoft.com/office/drawing/2014/main" id="{CC73EBF4-10B5-4412-A9F7-14ECC9B323DF}"/>
               </a:ext>
             </a:extLst>
           </p:cNvPr>
@@ -2957,7 +2957,7 @@
           <p:cNvPr id="5" name="Fußzeilenplatzhalter 4">
             <a:extLst>
               <a:ext uri="{FF2B5EF4-FFF2-40B4-BE49-F238E27FC236}">
-                <a16:creationId xmlns:a16="http://schemas.microsoft.com/office/drawing/2014/main" id="{7746E8CD-A89F-4B91-9E19-4957124CC5A6}"/>
+                <a16:creationId xmlns:a16="http://schemas.microsoft.com/office/drawing/2014/main" id="{FAD6F6CE-E9E7-417D-A20A-250448AC0DEE}"/>
               </a:ext>
             </a:extLst>
           </p:cNvPr>
@@ -3000,7 +3000,7 @@
           <p:cNvPr id="6" name="Foliennummernplatzhalter 5">
             <a:extLst>
               <a:ext uri="{FF2B5EF4-FFF2-40B4-BE49-F238E27FC236}">
-                <a16:creationId xmlns:a16="http://schemas.microsoft.com/office/drawing/2014/main" id="{A7E3D7F9-F327-457E-BEA0-3FDB04CDFE1A}"/>
+                <a16:creationId xmlns:a16="http://schemas.microsoft.com/office/drawing/2014/main" id="{0E59A2AD-E3B5-4954-9959-4536F494A5BB}"/>
               </a:ext>
             </a:extLst>
           </p:cNvPr>
@@ -3046,23 +3046,23 @@
     </p:spTree>
     <p:extLst>
       <p:ext uri="{BB962C8B-B14F-4D97-AF65-F5344CB8AC3E}">
-        <p14:creationId xmlns:p14="http://schemas.microsoft.com/office/powerpoint/2010/main" val="3049539013"/>
+        <p14:creationId xmlns:p14="http://schemas.microsoft.com/office/powerpoint/2010/main" val="515622227"/>
       </p:ext>
     </p:extLst>
   </p:cSld>
   <p:clrMap bg1="lt1" tx1="dk1" bg2="lt2" tx2="dk2" accent1="accent1" accent2="accent2" accent3="accent3" accent4="accent4" accent5="accent5" accent6="accent6" hlink="hlink" folHlink="folHlink"/>
   <p:sldLayoutIdLst>
-    <p:sldLayoutId id="2147483670" r:id="rId1"/>
-    <p:sldLayoutId id="2147483671" r:id="rId2"/>
-    <p:sldLayoutId id="2147483672" r:id="rId3"/>
-    <p:sldLayoutId id="2147483673" r:id="rId4"/>
-    <p:sldLayoutId id="2147483674" r:id="rId5"/>
-    <p:sldLayoutId id="2147483675" r:id="rId6"/>
-    <p:sldLayoutId id="2147483676" r:id="rId7"/>
-    <p:sldLayoutId id="2147483677" r:id="rId8"/>
-    <p:sldLayoutId id="2147483678" r:id="rId9"/>
-    <p:sldLayoutId id="2147483679" r:id="rId10"/>
-    <p:sldLayoutId id="2147483680" r:id="rId11"/>
+    <p:sldLayoutId id="2147483699" r:id="rId1"/>
+    <p:sldLayoutId id="2147483700" r:id="rId2"/>
+    <p:sldLayoutId id="2147483701" r:id="rId3"/>
+    <p:sldLayoutId id="2147483702" r:id="rId4"/>
+    <p:sldLayoutId id="2147483703" r:id="rId5"/>
+    <p:sldLayoutId id="2147483704" r:id="rId6"/>
+    <p:sldLayoutId id="2147483705" r:id="rId7"/>
+    <p:sldLayoutId id="2147483706" r:id="rId8"/>
+    <p:sldLayoutId id="2147483707" r:id="rId9"/>
+    <p:sldLayoutId id="2147483708" r:id="rId10"/>
+    <p:sldLayoutId id="2147483709" r:id="rId11"/>
   </p:sldLayoutIdLst>
   <p:txStyles>
     <p:titleStyle>
@@ -4060,6 +4060,41 @@
           </a:p>
         </p:txBody>
       </p:sp>
+      <p:sp>
+        <p:nvSpPr>
+          <p:cNvPr id="4" name="Textfeld 3">
+            <a:extLst>
+              <a:ext uri="{FF2B5EF4-FFF2-40B4-BE49-F238E27FC236}">
+                <a16:creationId xmlns:a16="http://schemas.microsoft.com/office/drawing/2014/main" id="{E74AF2ED-7B6E-4FA1-BC71-85BBAB9A537D}"/>
+              </a:ext>
+            </a:extLst>
+          </p:cNvPr>
+          <p:cNvSpPr txBox="1"/>
+          <p:nvPr/>
+        </p:nvSpPr>
+        <p:spPr>
+          <a:xfrm>
+            <a:off x="3593691" y="3828874"/>
+            <a:ext cx="3559308" cy="369332"/>
+          </a:xfrm>
+          <a:prstGeom prst="rect">
+            <a:avLst/>
+          </a:prstGeom>
+          <a:noFill/>
+        </p:spPr>
+        <p:txBody>
+          <a:bodyPr wrap="none" rtlCol="0">
+            <a:spAutoFit/>
+          </a:bodyPr>
+          <a:lstStyle/>
+          <a:p>
+            <a:r>
+              <a:rPr lang="de-DE" dirty="0"/>
+              <a:t>-&gt; Polarform mit Einheitsquaternion</a:t>
+            </a:r>
+          </a:p>
+        </p:txBody>
+      </p:sp>
     </p:spTree>
     <p:extLst>
       <p:ext uri="{BB962C8B-B14F-4D97-AF65-F5344CB8AC3E}">
@@ -5183,8 +5218,8 @@
           </a:p>
         </p:txBody>
       </p:sp>
-      <mc:AlternateContent xmlns:mc="http://schemas.openxmlformats.org/markup-compatibility/2006" xmlns:a14="http://schemas.microsoft.com/office/drawing/2010/main">
-        <mc:Choice Requires="a14">
+      <mc:AlternateContent xmlns:mc="http://schemas.openxmlformats.org/markup-compatibility/2006">
+        <mc:Choice xmlns:a14="http://schemas.microsoft.com/office/drawing/2010/main" Requires="a14">
           <p:sp>
             <p:nvSpPr>
               <p:cNvPr id="3" name="Inhaltsplatzhalter 2">
@@ -5298,7 +5333,7 @@
             </p:txBody>
           </p:sp>
         </mc:Choice>
-        <mc:Fallback xmlns="">
+        <mc:Fallback>
           <p:sp>
             <p:nvSpPr>
               <p:cNvPr id="3" name="Inhaltsplatzhalter 2">
@@ -5950,8 +5985,8 @@
           </a:p>
         </p:txBody>
       </p:sp>
-      <mc:AlternateContent xmlns:mc="http://schemas.openxmlformats.org/markup-compatibility/2006" xmlns:a14="http://schemas.microsoft.com/office/drawing/2010/main">
-        <mc:Choice Requires="a14">
+      <mc:AlternateContent xmlns:mc="http://schemas.openxmlformats.org/markup-compatibility/2006">
+        <mc:Choice xmlns:a14="http://schemas.microsoft.com/office/drawing/2010/main" Requires="a14">
           <p:sp>
             <p:nvSpPr>
               <p:cNvPr id="3" name="Inhaltsplatzhalter 2">
@@ -6456,7 +6491,7 @@
             </p:txBody>
           </p:sp>
         </mc:Choice>
-        <mc:Fallback xmlns="">
+        <mc:Fallback>
           <p:sp>
             <p:nvSpPr>
               <p:cNvPr id="3" name="Inhaltsplatzhalter 2">
@@ -6481,7 +6516,7 @@
               <a:blipFill>
                 <a:blip r:embed="rId2"/>
                 <a:stretch>
-                  <a:fillRect l="-1274" t="-3373" b="-2024"/>
+                  <a:fillRect l="-1274" t="-3373" b="-1855"/>
                 </a:stretch>
               </a:blipFill>
             </p:spPr>
